--- a/IKT_GitHub_prezentácio_v4.pptx
+++ b/IKT_GitHub_prezentácio_v4.pptx
@@ -1,18 +1,21 @@
 
 <file path=ppt/presentation.xml><?xml version="1.0" encoding="utf-8"?>
-<p:presentation xmlns:a="http://schemas.openxmlformats.org/drawingml/2006/main" xmlns:r="http://schemas.openxmlformats.org/officeDocument/2006/relationships" xmlns:p="http://schemas.openxmlformats.org/presentationml/2006/main" saveSubsetFonts="1">
+<p:presentation xmlns:a="http://schemas.openxmlformats.org/drawingml/2006/main" xmlns:r="http://schemas.openxmlformats.org/officeDocument/2006/relationships" xmlns:p="http://schemas.openxmlformats.org/presentationml/2006/main" showSpecialPlsOnTitleSld="0" saveSubsetFonts="1">
   <p:sldMasterIdLst>
     <p:sldMasterId id="2147483762" r:id="rId1"/>
   </p:sldMasterIdLst>
   <p:notesMasterIdLst>
     <p:notesMasterId r:id="rId10"/>
   </p:notesMasterIdLst>
+  <p:handoutMasterIdLst>
+    <p:handoutMasterId r:id="rId11"/>
+  </p:handoutMasterIdLst>
   <p:sldIdLst>
     <p:sldId id="256" r:id="rId2"/>
     <p:sldId id="264" r:id="rId3"/>
     <p:sldId id="258" r:id="rId4"/>
     <p:sldId id="265" r:id="rId5"/>
-    <p:sldId id="266" r:id="rId6"/>
+    <p:sldId id="269" r:id="rId6"/>
     <p:sldId id="267" r:id="rId7"/>
     <p:sldId id="268" r:id="rId8"/>
     <p:sldId id="263" r:id="rId9"/>
@@ -159,11 +162,10 @@
       <pc:docMk xmlns:pc="http://schemas.microsoft.com/office/powerpoint/2013/main/command"/>
       <pc:sldMk xmlns:pc="http://schemas.microsoft.com/office/powerpoint/2013/main/command" cId="2825913309" sldId="265"/>
       <ac:spMk id="6" creationId="{4892E2FA-0DAC-BD1B-7F25-A04B77FDD9EF}"/>
-      <ac:txMk cp="0" len="56">
-        <ac:context len="57" hash="3000476709"/>
+      <ac:txMk cp="0" len="50">
+        <ac:context len="51" hash="2077873176"/>
       </ac:txMk>
     </ac:txMkLst>
-    <p188:pos x="2537954" y="270952"/>
     <p188:txBody>
       <a:bodyPr/>
       <a:lstStyle/>
@@ -172,29 +174,6 @@
           <a:rPr lang="hu-HU"/>
           <a:t>Ők voltak a fejlesztők, akik az elején hobbiból indították a projektet.
 Mind a négyen programozók voltak, akik egy kényelmesebb megoldást akartak a kódok megosztására és kezelésére.</a:t>
-        </a:r>
-      </a:p>
-    </p188:txBody>
-  </p188:cm>
-</p188:cmLst>
-</file>
-
-<file path=ppt/comments/modernComment_10A_28CE0E3.xml><?xml version="1.0" encoding="utf-8"?>
-<p188:cmLst xmlns:a="http://schemas.openxmlformats.org/drawingml/2006/main" xmlns:r="http://schemas.openxmlformats.org/officeDocument/2006/relationships" xmlns:p188="http://schemas.microsoft.com/office/powerpoint/2018/8/main">
-  <p188:cm id="{ED354FA3-2992-47E7-A3E5-FC7BC37EEBAD}" authorId="{DE613FB6-320B-9AC2-9295-CC655334E579}" created="2025-10-19T11:32:30.149">
-    <ac:deMkLst xmlns:ac="http://schemas.microsoft.com/office/drawing/2013/main/command">
-      <pc:docMk xmlns:pc="http://schemas.microsoft.com/office/powerpoint/2013/main/command"/>
-      <pc:sldMk xmlns:pc="http://schemas.microsoft.com/office/powerpoint/2013/main/command" cId="42787043" sldId="266"/>
-      <ac:spMk id="6" creationId="{5DB2F2B9-5E60-0A2C-16C4-AA33BAB48B48}"/>
-    </ac:deMkLst>
-    <p188:txBody>
-      <a:bodyPr/>
-      <a:lstStyle/>
-      <a:p>
-        <a:r>
-          <a:rPr lang="hu-HU"/>
-          <a:t>Az elején nem voltak szigorú hierarchiák – mindenki azt csinálta, amihez kedve volt.
-Ez kreatív környezetet teremtett, de később, a növekedéssel, strukturáltabb működésre volt szükség.</a:t>
         </a:r>
       </a:p>
     </p188:txBody>
@@ -230,6 +209,196 @@
 </p188:cmLst>
 </file>
 
+<file path=ppt/handoutMasters/handoutMaster1.xml><?xml version="1.0" encoding="utf-8"?>
+<p:handoutMaster xmlns:a="http://schemas.openxmlformats.org/drawingml/2006/main" xmlns:r="http://schemas.openxmlformats.org/officeDocument/2006/relationships" xmlns:p="http://schemas.openxmlformats.org/presentationml/2006/main">
+  <p:cSld>
+    <p:bg>
+      <p:bgRef idx="1001">
+        <a:schemeClr val="bg1"/>
+      </p:bgRef>
+    </p:bg>
+    <p:spTree>
+      <p:nvGrpSpPr>
+        <p:cNvPr id="1" name=""/>
+        <p:cNvGrpSpPr/>
+        <p:nvPr/>
+      </p:nvGrpSpPr>
+      <p:grpSpPr>
+        <a:xfrm>
+          <a:off x="0" y="0"/>
+          <a:ext cx="0" cy="0"/>
+          <a:chOff x="0" y="0"/>
+          <a:chExt cx="0" cy="0"/>
+        </a:xfrm>
+      </p:grpSpPr>
+      <p:sp>
+        <p:nvSpPr>
+          <p:cNvPr id="2" name="Élőfej helye 1">
+            <a:extLst>
+              <a:ext uri="{FF2B5EF4-FFF2-40B4-BE49-F238E27FC236}">
+                <a16:creationId xmlns:a16="http://schemas.microsoft.com/office/drawing/2014/main" id="{9C5004D5-33B9-4F8A-9B95-039DBD2A6195}"/>
+              </a:ext>
+            </a:extLst>
+          </p:cNvPr>
+          <p:cNvSpPr>
+            <a:spLocks noGrp="1"/>
+          </p:cNvSpPr>
+          <p:nvPr>
+            <p:ph type="hdr" sz="quarter"/>
+          </p:nvPr>
+        </p:nvSpPr>
+        <p:spPr>
+          <a:xfrm>
+            <a:off x="0" y="0"/>
+            <a:ext cx="2971800" cy="458788"/>
+          </a:xfrm>
+          <a:prstGeom prst="rect">
+            <a:avLst/>
+          </a:prstGeom>
+        </p:spPr>
+        <p:txBody>
+          <a:bodyPr vert="horz" lIns="91440" tIns="45720" rIns="91440" bIns="45720" rtlCol="0"/>
+          <a:lstStyle>
+            <a:lvl1pPr algn="l">
+              <a:defRPr sz="1200"/>
+            </a:lvl1pPr>
+          </a:lstStyle>
+          <a:p>
+            <a:endParaRPr lang="hu-HU"/>
+          </a:p>
+        </p:txBody>
+      </p:sp>
+      <p:sp>
+        <p:nvSpPr>
+          <p:cNvPr id="3" name="Dátum helye 2">
+            <a:extLst>
+              <a:ext uri="{FF2B5EF4-FFF2-40B4-BE49-F238E27FC236}">
+                <a16:creationId xmlns:a16="http://schemas.microsoft.com/office/drawing/2014/main" id="{EF1CC404-FB85-4882-86FA-FD98AC42F99A}"/>
+              </a:ext>
+            </a:extLst>
+          </p:cNvPr>
+          <p:cNvSpPr>
+            <a:spLocks noGrp="1"/>
+          </p:cNvSpPr>
+          <p:nvPr>
+            <p:ph type="dt" sz="quarter" idx="1"/>
+          </p:nvPr>
+        </p:nvSpPr>
+        <p:spPr>
+          <a:xfrm>
+            <a:off x="3884613" y="0"/>
+            <a:ext cx="2971800" cy="458788"/>
+          </a:xfrm>
+          <a:prstGeom prst="rect">
+            <a:avLst/>
+          </a:prstGeom>
+        </p:spPr>
+        <p:txBody>
+          <a:bodyPr vert="horz" lIns="91440" tIns="45720" rIns="91440" bIns="45720" rtlCol="0"/>
+          <a:lstStyle>
+            <a:lvl1pPr algn="r">
+              <a:defRPr sz="1200"/>
+            </a:lvl1pPr>
+          </a:lstStyle>
+          <a:p>
+            <a:fld id="{21B75469-4C54-4EF6-862C-782FFB0FB0B0}" type="datetime1">
+              <a:rPr lang="hu-HU" smtClean="0"/>
+              <a:t>2025. 10. 21.</a:t>
+            </a:fld>
+            <a:endParaRPr lang="hu-HU"/>
+          </a:p>
+        </p:txBody>
+      </p:sp>
+      <p:sp>
+        <p:nvSpPr>
+          <p:cNvPr id="4" name="Élőláb helye 3">
+            <a:extLst>
+              <a:ext uri="{FF2B5EF4-FFF2-40B4-BE49-F238E27FC236}">
+                <a16:creationId xmlns:a16="http://schemas.microsoft.com/office/drawing/2014/main" id="{9EB67B3F-63E2-4E07-8841-04B6E2D4885D}"/>
+              </a:ext>
+            </a:extLst>
+          </p:cNvPr>
+          <p:cNvSpPr>
+            <a:spLocks noGrp="1"/>
+          </p:cNvSpPr>
+          <p:nvPr>
+            <p:ph type="ftr" sz="quarter" idx="2"/>
+          </p:nvPr>
+        </p:nvSpPr>
+        <p:spPr>
+          <a:xfrm>
+            <a:off x="0" y="8685213"/>
+            <a:ext cx="2971800" cy="458787"/>
+          </a:xfrm>
+          <a:prstGeom prst="rect">
+            <a:avLst/>
+          </a:prstGeom>
+        </p:spPr>
+        <p:txBody>
+          <a:bodyPr vert="horz" lIns="91440" tIns="45720" rIns="91440" bIns="45720" rtlCol="0" anchor="b"/>
+          <a:lstStyle>
+            <a:lvl1pPr algn="l">
+              <a:defRPr sz="1200"/>
+            </a:lvl1pPr>
+          </a:lstStyle>
+          <a:p>
+            <a:endParaRPr lang="hu-HU"/>
+          </a:p>
+        </p:txBody>
+      </p:sp>
+      <p:sp>
+        <p:nvSpPr>
+          <p:cNvPr id="5" name="Dia számának helye 4">
+            <a:extLst>
+              <a:ext uri="{FF2B5EF4-FFF2-40B4-BE49-F238E27FC236}">
+                <a16:creationId xmlns:a16="http://schemas.microsoft.com/office/drawing/2014/main" id="{82E07025-8456-4CC3-8709-2D3B05D4ED99}"/>
+              </a:ext>
+            </a:extLst>
+          </p:cNvPr>
+          <p:cNvSpPr>
+            <a:spLocks noGrp="1"/>
+          </p:cNvSpPr>
+          <p:nvPr>
+            <p:ph type="sldNum" sz="quarter" idx="3"/>
+          </p:nvPr>
+        </p:nvSpPr>
+        <p:spPr>
+          <a:xfrm>
+            <a:off x="3884613" y="8685213"/>
+            <a:ext cx="2971800" cy="458787"/>
+          </a:xfrm>
+          <a:prstGeom prst="rect">
+            <a:avLst/>
+          </a:prstGeom>
+        </p:spPr>
+        <p:txBody>
+          <a:bodyPr vert="horz" lIns="91440" tIns="45720" rIns="91440" bIns="45720" rtlCol="0" anchor="b"/>
+          <a:lstStyle>
+            <a:lvl1pPr algn="r">
+              <a:defRPr sz="1200"/>
+            </a:lvl1pPr>
+          </a:lstStyle>
+          <a:p>
+            <a:fld id="{5CC72C2F-74C3-43D0-8504-1F53F434C1CE}" type="slidenum">
+              <a:rPr lang="hu-HU" smtClean="0"/>
+              <a:t>‹#›</a:t>
+            </a:fld>
+            <a:endParaRPr lang="hu-HU"/>
+          </a:p>
+        </p:txBody>
+      </p:sp>
+    </p:spTree>
+    <p:extLst>
+      <p:ext uri="{BB962C8B-B14F-4D97-AF65-F5344CB8AC3E}">
+        <p14:creationId xmlns:p14="http://schemas.microsoft.com/office/powerpoint/2010/main" val="663011307"/>
+      </p:ext>
+    </p:extLst>
+  </p:cSld>
+  <p:clrMap bg1="lt1" tx1="dk1" bg2="lt2" tx2="dk2" accent1="accent1" accent2="accent2" accent3="accent3" accent4="accent4" accent5="accent5" accent6="accent6" hlink="hlink" folHlink="folHlink"/>
+  <p:hf hdr="0" ftr="0"/>
+</p:handoutMaster>
+</file>
+
 <file path=ppt/notesMasters/notesMaster1.xml><?xml version="1.0" encoding="utf-8"?>
 <p:notesMaster xmlns:a="http://schemas.openxmlformats.org/drawingml/2006/main" xmlns:r="http://schemas.openxmlformats.org/officeDocument/2006/relationships" xmlns:p="http://schemas.openxmlformats.org/presentationml/2006/main">
   <p:cSld>
@@ -310,9 +479,9 @@
             </a:lvl1pPr>
           </a:lstStyle>
           <a:p>
-            <a:fld id="{0AE20E7D-935E-4572-80ED-5CBCF7F40849}" type="datetimeFigureOut">
+            <a:fld id="{DB792A30-3DC4-4DE1-ABC1-4AA569092733}" type="datetime1">
               <a:rPr lang="hu-HU" smtClean="0"/>
-              <a:t>2025. 10. 19.</a:t>
+              <a:t>2025. 10. 21.</a:t>
             </a:fld>
             <a:endParaRPr lang="hu-HU"/>
           </a:p>
@@ -484,6 +653,7 @@
     </p:extLst>
   </p:cSld>
   <p:clrMap bg1="lt1" tx1="dk1" bg2="lt2" tx2="dk2" accent1="accent1" accent2="accent2" accent3="accent3" accent4="accent4" accent5="accent5" accent6="accent6" hlink="hlink" folHlink="folHlink"/>
+  <p:hf hdr="0" ftr="0"/>
   <p:notesStyle>
     <a:lvl1pPr marL="0" algn="l" defTabSz="914400" rtl="0" eaLnBrk="1" latinLnBrk="0" hangingPunct="1">
       <a:defRPr sz="1200" kern="1200">
@@ -674,6 +844,35 @@
           </a:p>
         </p:txBody>
       </p:sp>
+      <p:sp>
+        <p:nvSpPr>
+          <p:cNvPr id="5" name="Dátum helye 4">
+            <a:extLst>
+              <a:ext uri="{FF2B5EF4-FFF2-40B4-BE49-F238E27FC236}">
+                <a16:creationId xmlns:a16="http://schemas.microsoft.com/office/drawing/2014/main" id="{A43831B9-9D84-43B9-A90D-16C405D206E6}"/>
+              </a:ext>
+            </a:extLst>
+          </p:cNvPr>
+          <p:cNvSpPr>
+            <a:spLocks noGrp="1"/>
+          </p:cNvSpPr>
+          <p:nvPr>
+            <p:ph type="dt" idx="1"/>
+          </p:nvPr>
+        </p:nvSpPr>
+        <p:spPr/>
+        <p:txBody>
+          <a:bodyPr/>
+          <a:lstStyle/>
+          <a:p>
+            <a:fld id="{B7486C3B-5857-43D3-A7B8-365CC21C530F}" type="datetime1">
+              <a:rPr lang="hu-HU" smtClean="0"/>
+              <a:t>2025. 10. 21.</a:t>
+            </a:fld>
+            <a:endParaRPr lang="hu-HU"/>
+          </a:p>
+        </p:txBody>
+      </p:sp>
     </p:spTree>
     <p:extLst>
       <p:ext uri="{BB962C8B-B14F-4D97-AF65-F5344CB8AC3E}">
@@ -753,6 +952,35 @@
             <a:fld id="{BEB4ED75-50D8-487F-B164-6648FDAF30E1}" type="slidenum">
               <a:rPr lang="hu-HU" smtClean="0"/>
               <a:t>3</a:t>
+            </a:fld>
+            <a:endParaRPr lang="hu-HU"/>
+          </a:p>
+        </p:txBody>
+      </p:sp>
+      <p:sp>
+        <p:nvSpPr>
+          <p:cNvPr id="5" name="Dátum helye 4">
+            <a:extLst>
+              <a:ext uri="{FF2B5EF4-FFF2-40B4-BE49-F238E27FC236}">
+                <a16:creationId xmlns:a16="http://schemas.microsoft.com/office/drawing/2014/main" id="{2FA44D3B-CD11-452C-A8CD-872EC240D012}"/>
+              </a:ext>
+            </a:extLst>
+          </p:cNvPr>
+          <p:cNvSpPr>
+            <a:spLocks noGrp="1"/>
+          </p:cNvSpPr>
+          <p:nvPr>
+            <p:ph type="dt" idx="1"/>
+          </p:nvPr>
+        </p:nvSpPr>
+        <p:spPr/>
+        <p:txBody>
+          <a:bodyPr/>
+          <a:lstStyle/>
+          <a:p>
+            <a:fld id="{3DCC6CB3-DB98-485C-8147-410833676FD1}" type="datetime1">
+              <a:rPr lang="hu-HU" smtClean="0"/>
+              <a:t>2025. 10. 21.</a:t>
             </a:fld>
             <a:endParaRPr lang="hu-HU"/>
           </a:p>
@@ -866,6 +1094,35 @@
           </a:p>
         </p:txBody>
       </p:sp>
+      <p:sp>
+        <p:nvSpPr>
+          <p:cNvPr id="5" name="Dátum helye 4">
+            <a:extLst>
+              <a:ext uri="{FF2B5EF4-FFF2-40B4-BE49-F238E27FC236}">
+                <a16:creationId xmlns:a16="http://schemas.microsoft.com/office/drawing/2014/main" id="{AA42EF10-DB4A-4393-8590-C795DAC794D6}"/>
+              </a:ext>
+            </a:extLst>
+          </p:cNvPr>
+          <p:cNvSpPr>
+            <a:spLocks noGrp="1"/>
+          </p:cNvSpPr>
+          <p:nvPr>
+            <p:ph type="dt" idx="1"/>
+          </p:nvPr>
+        </p:nvSpPr>
+        <p:spPr/>
+        <p:txBody>
+          <a:bodyPr/>
+          <a:lstStyle/>
+          <a:p>
+            <a:fld id="{BE8301E5-AFCE-45F8-A47D-E4F5C525F384}" type="datetime1">
+              <a:rPr lang="hu-HU" smtClean="0"/>
+              <a:t>2025. 10. 21.</a:t>
+            </a:fld>
+            <a:endParaRPr lang="hu-HU"/>
+          </a:p>
+        </p:txBody>
+      </p:sp>
     </p:spTree>
     <p:extLst>
       <p:ext uri="{BB962C8B-B14F-4D97-AF65-F5344CB8AC3E}">
@@ -887,7 +1144,7 @@
         <p:cNvPr id="1" name="">
           <a:extLst>
             <a:ext uri="{FF2B5EF4-FFF2-40B4-BE49-F238E27FC236}">
-              <a16:creationId xmlns:a16="http://schemas.microsoft.com/office/drawing/2014/main" id="{24D86BD6-942F-1790-EB52-4CEAA7FFE210}"/>
+              <a16:creationId xmlns:a16="http://schemas.microsoft.com/office/drawing/2014/main" id="{5767725A-D03B-7DB5-8E1A-890952B71561}"/>
             </a:ext>
           </a:extLst>
         </p:cNvPr>
@@ -907,7 +1164,7 @@
           <p:cNvPr id="2" name="Diakép helye 1">
             <a:extLst>
               <a:ext uri="{FF2B5EF4-FFF2-40B4-BE49-F238E27FC236}">
-                <a16:creationId xmlns:a16="http://schemas.microsoft.com/office/drawing/2014/main" id="{2CF239DE-F81D-0B6C-A59D-D5E675F6CF0E}"/>
+                <a16:creationId xmlns:a16="http://schemas.microsoft.com/office/drawing/2014/main" id="{69F9C37B-FED5-E1D9-3A72-7524295E9531}"/>
               </a:ext>
             </a:extLst>
           </p:cNvPr>
@@ -925,7 +1182,7 @@
           <p:cNvPr id="3" name="Jegyzetek helye 2">
             <a:extLst>
               <a:ext uri="{FF2B5EF4-FFF2-40B4-BE49-F238E27FC236}">
-                <a16:creationId xmlns:a16="http://schemas.microsoft.com/office/drawing/2014/main" id="{D89D168B-8E48-4376-C34D-20A9B2202703}"/>
+                <a16:creationId xmlns:a16="http://schemas.microsoft.com/office/drawing/2014/main" id="{3BD5A463-8711-D9D0-5FCD-8DF9FD6365BB}"/>
               </a:ext>
             </a:extLst>
           </p:cNvPr>
@@ -950,7 +1207,7 @@
           <p:cNvPr id="4" name="Dia számának helye 3">
             <a:extLst>
               <a:ext uri="{FF2B5EF4-FFF2-40B4-BE49-F238E27FC236}">
-                <a16:creationId xmlns:a16="http://schemas.microsoft.com/office/drawing/2014/main" id="{4C9033C6-1629-0D86-60AD-FCC5B542E6E6}"/>
+                <a16:creationId xmlns:a16="http://schemas.microsoft.com/office/drawing/2014/main" id="{135B98DF-F92B-10CF-8D92-86444ECE41F5}"/>
               </a:ext>
             </a:extLst>
           </p:cNvPr>
@@ -974,10 +1231,39 @@
           </a:p>
         </p:txBody>
       </p:sp>
+      <p:sp>
+        <p:nvSpPr>
+          <p:cNvPr id="5" name="Dátum helye 4">
+            <a:extLst>
+              <a:ext uri="{FF2B5EF4-FFF2-40B4-BE49-F238E27FC236}">
+                <a16:creationId xmlns:a16="http://schemas.microsoft.com/office/drawing/2014/main" id="{13D3C079-2C48-48B7-9048-C200791B1CAF}"/>
+              </a:ext>
+            </a:extLst>
+          </p:cNvPr>
+          <p:cNvSpPr>
+            <a:spLocks noGrp="1"/>
+          </p:cNvSpPr>
+          <p:nvPr>
+            <p:ph type="dt" idx="1"/>
+          </p:nvPr>
+        </p:nvSpPr>
+        <p:spPr/>
+        <p:txBody>
+          <a:bodyPr/>
+          <a:lstStyle/>
+          <a:p>
+            <a:fld id="{D8CEEA44-E4F4-45BF-9D78-760D362B9F80}" type="datetime1">
+              <a:rPr lang="hu-HU" smtClean="0"/>
+              <a:t>2025. 10. 21.</a:t>
+            </a:fld>
+            <a:endParaRPr lang="hu-HU"/>
+          </a:p>
+        </p:txBody>
+      </p:sp>
     </p:spTree>
     <p:extLst>
       <p:ext uri="{BB962C8B-B14F-4D97-AF65-F5344CB8AC3E}">
-        <p14:creationId xmlns:p14="http://schemas.microsoft.com/office/powerpoint/2010/main" val="3152365397"/>
+        <p14:creationId xmlns:p14="http://schemas.microsoft.com/office/powerpoint/2010/main" val="2261799164"/>
       </p:ext>
     </p:extLst>
   </p:cSld>
@@ -1077,6 +1363,35 @@
             <a:fld id="{BEB4ED75-50D8-487F-B164-6648FDAF30E1}" type="slidenum">
               <a:rPr lang="hu-HU" smtClean="0"/>
               <a:t>6</a:t>
+            </a:fld>
+            <a:endParaRPr lang="hu-HU"/>
+          </a:p>
+        </p:txBody>
+      </p:sp>
+      <p:sp>
+        <p:nvSpPr>
+          <p:cNvPr id="5" name="Dátum helye 4">
+            <a:extLst>
+              <a:ext uri="{FF2B5EF4-FFF2-40B4-BE49-F238E27FC236}">
+                <a16:creationId xmlns:a16="http://schemas.microsoft.com/office/drawing/2014/main" id="{604F6B11-3534-4DA6-A192-2061726C0393}"/>
+              </a:ext>
+            </a:extLst>
+          </p:cNvPr>
+          <p:cNvSpPr>
+            <a:spLocks noGrp="1"/>
+          </p:cNvSpPr>
+          <p:nvPr>
+            <p:ph type="dt" idx="1"/>
+          </p:nvPr>
+        </p:nvSpPr>
+        <p:spPr/>
+        <p:txBody>
+          <a:bodyPr/>
+          <a:lstStyle/>
+          <a:p>
+            <a:fld id="{49F59D94-A57D-452E-B1E0-725B2F080AF9}" type="datetime1">
+              <a:rPr lang="hu-HU" smtClean="0"/>
+              <a:t>2025. 10. 21.</a:t>
             </a:fld>
             <a:endParaRPr lang="hu-HU"/>
           </a:p>
@@ -1190,6 +1505,35 @@
           </a:p>
         </p:txBody>
       </p:sp>
+      <p:sp>
+        <p:nvSpPr>
+          <p:cNvPr id="5" name="Dátum helye 4">
+            <a:extLst>
+              <a:ext uri="{FF2B5EF4-FFF2-40B4-BE49-F238E27FC236}">
+                <a16:creationId xmlns:a16="http://schemas.microsoft.com/office/drawing/2014/main" id="{F214D5BD-CB7E-4182-8ED6-98BFA6CF67F3}"/>
+              </a:ext>
+            </a:extLst>
+          </p:cNvPr>
+          <p:cNvSpPr>
+            <a:spLocks noGrp="1"/>
+          </p:cNvSpPr>
+          <p:nvPr>
+            <p:ph type="dt" idx="1"/>
+          </p:nvPr>
+        </p:nvSpPr>
+        <p:spPr/>
+        <p:txBody>
+          <a:bodyPr/>
+          <a:lstStyle/>
+          <a:p>
+            <a:fld id="{A5CFB38C-2383-40F7-BC67-4888DE18D46E}" type="datetime1">
+              <a:rPr lang="hu-HU" smtClean="0"/>
+              <a:t>2025. 10. 21.</a:t>
+            </a:fld>
+            <a:endParaRPr lang="hu-HU"/>
+          </a:p>
+        </p:txBody>
+      </p:sp>
     </p:spTree>
     <p:extLst>
       <p:ext uri="{BB962C8B-B14F-4D97-AF65-F5344CB8AC3E}">
@@ -1269,6 +1613,35 @@
             <a:fld id="{BEB4ED75-50D8-487F-B164-6648FDAF30E1}" type="slidenum">
               <a:rPr lang="hu-HU" smtClean="0"/>
               <a:t>8</a:t>
+            </a:fld>
+            <a:endParaRPr lang="hu-HU"/>
+          </a:p>
+        </p:txBody>
+      </p:sp>
+      <p:sp>
+        <p:nvSpPr>
+          <p:cNvPr id="5" name="Dátum helye 4">
+            <a:extLst>
+              <a:ext uri="{FF2B5EF4-FFF2-40B4-BE49-F238E27FC236}">
+                <a16:creationId xmlns:a16="http://schemas.microsoft.com/office/drawing/2014/main" id="{5371ECE8-5F65-4384-8039-69F06C479038}"/>
+              </a:ext>
+            </a:extLst>
+          </p:cNvPr>
+          <p:cNvSpPr>
+            <a:spLocks noGrp="1"/>
+          </p:cNvSpPr>
+          <p:nvPr>
+            <p:ph type="dt" idx="1"/>
+          </p:nvPr>
+        </p:nvSpPr>
+        <p:spPr/>
+        <p:txBody>
+          <a:bodyPr/>
+          <a:lstStyle/>
+          <a:p>
+            <a:fld id="{70435E7D-B76C-410D-889E-B900E7B450C1}" type="datetime1">
+              <a:rPr lang="hu-HU" smtClean="0"/>
+              <a:t>2025. 10. 21.</a:t>
             </a:fld>
             <a:endParaRPr lang="hu-HU"/>
           </a:p>
@@ -1455,9 +1828,9 @@
           <a:bodyPr/>
           <a:lstStyle/>
           <a:p>
-            <a:fld id="{7E4EC488-1808-4DE7-A821-45CFABF6AECC}" type="datetimeFigureOut">
+            <a:fld id="{BA2BEE23-164B-46B3-BDA1-4A3C7D3C3B8B}" type="datetime1">
               <a:rPr lang="hu-HU" smtClean="0"/>
-              <a:t>2025. 10. 19.</a:t>
+              <a:t>2025. 10. 21.</a:t>
             </a:fld>
             <a:endParaRPr lang="hu-HU"/>
           </a:p>
@@ -1722,9 +2095,9 @@
           <a:bodyPr/>
           <a:lstStyle/>
           <a:p>
-            <a:fld id="{7E4EC488-1808-4DE7-A821-45CFABF6AECC}" type="datetimeFigureOut">
+            <a:fld id="{8BCF0543-76C5-4A40-91AC-6B8CB0F920B3}" type="datetime1">
               <a:rPr lang="hu-HU" smtClean="0"/>
-              <a:t>2025. 10. 19.</a:t>
+              <a:t>2025. 10. 21.</a:t>
             </a:fld>
             <a:endParaRPr lang="hu-HU"/>
           </a:p>
@@ -1953,9 +2326,9 @@
             </a:lvl1pPr>
           </a:lstStyle>
           <a:p>
-            <a:fld id="{7E4EC488-1808-4DE7-A821-45CFABF6AECC}" type="datetimeFigureOut">
+            <a:fld id="{A13F9BAA-A555-418E-A1F6-2C0A47E45079}" type="datetime1">
               <a:rPr lang="hu-HU" smtClean="0"/>
-              <a:t>2025. 10. 19.</a:t>
+              <a:t>2025. 10. 21.</a:t>
             </a:fld>
             <a:endParaRPr lang="hu-HU"/>
           </a:p>
@@ -2263,9 +2636,9 @@
             </a:lvl1pPr>
           </a:lstStyle>
           <a:p>
-            <a:fld id="{7E4EC488-1808-4DE7-A821-45CFABF6AECC}" type="datetimeFigureOut">
+            <a:fld id="{B1AB8BAF-D1A0-4EB3-9A85-E5C3E1D6CBD0}" type="datetime1">
               <a:rPr lang="hu-HU" smtClean="0"/>
-              <a:t>2025. 10. 19.</a:t>
+              <a:t>2025. 10. 21.</a:t>
             </a:fld>
             <a:endParaRPr lang="hu-HU"/>
           </a:p>
@@ -2736,9 +3109,9 @@
             </a:lvl1pPr>
           </a:lstStyle>
           <a:p>
-            <a:fld id="{7E4EC488-1808-4DE7-A821-45CFABF6AECC}" type="datetimeFigureOut">
+            <a:fld id="{277021D0-6074-44A0-9ECA-5B5B199BFB1D}" type="datetime1">
               <a:rPr lang="hu-HU" smtClean="0"/>
-              <a:t>2025. 10. 19.</a:t>
+              <a:t>2025. 10. 21.</a:t>
             </a:fld>
             <a:endParaRPr lang="hu-HU"/>
           </a:p>
@@ -3283,9 +3656,9 @@
           <a:bodyPr/>
           <a:lstStyle/>
           <a:p>
-            <a:fld id="{7E4EC488-1808-4DE7-A821-45CFABF6AECC}" type="datetimeFigureOut">
+            <a:fld id="{50F87E24-C342-448E-B649-A754C53D80EE}" type="datetime1">
               <a:rPr lang="hu-HU" smtClean="0"/>
-              <a:t>2025. 10. 19.</a:t>
+              <a:t>2025. 10. 21.</a:t>
             </a:fld>
             <a:endParaRPr lang="hu-HU"/>
           </a:p>
@@ -4057,9 +4430,9 @@
           <a:bodyPr/>
           <a:lstStyle/>
           <a:p>
-            <a:fld id="{7E4EC488-1808-4DE7-A821-45CFABF6AECC}" type="datetimeFigureOut">
+            <a:fld id="{A160D152-F897-4C71-B0CC-6F62EF44DB55}" type="datetime1">
               <a:rPr lang="hu-HU" smtClean="0"/>
-              <a:t>2025. 10. 19.</a:t>
+              <a:t>2025. 10. 21.</a:t>
             </a:fld>
             <a:endParaRPr lang="hu-HU"/>
           </a:p>
@@ -4232,9 +4605,9 @@
           <a:bodyPr/>
           <a:lstStyle/>
           <a:p>
-            <a:fld id="{7E4EC488-1808-4DE7-A821-45CFABF6AECC}" type="datetimeFigureOut">
+            <a:fld id="{76772EBD-9968-41FB-90A5-E12B8DB0F734}" type="datetime1">
               <a:rPr lang="hu-HU" smtClean="0"/>
-              <a:t>2025. 10. 19.</a:t>
+              <a:t>2025. 10. 21.</a:t>
             </a:fld>
             <a:endParaRPr lang="hu-HU"/>
           </a:p>
@@ -4455,9 +4828,9 @@
             </a:lvl1pPr>
           </a:lstStyle>
           <a:p>
-            <a:fld id="{7E4EC488-1808-4DE7-A821-45CFABF6AECC}" type="datetimeFigureOut">
+            <a:fld id="{6CFACCB9-D5C7-4710-9E93-B2FC0DAD7B8E}" type="datetime1">
               <a:rPr lang="hu-HU" smtClean="0"/>
-              <a:t>2025. 10. 19.</a:t>
+              <a:t>2025. 10. 21.</a:t>
             </a:fld>
             <a:endParaRPr lang="hu-HU"/>
           </a:p>
@@ -4635,9 +5008,9 @@
           <a:bodyPr/>
           <a:lstStyle/>
           <a:p>
-            <a:fld id="{7E4EC488-1808-4DE7-A821-45CFABF6AECC}" type="datetimeFigureOut">
+            <a:fld id="{3EA74AC0-BA98-4D40-8ED7-CC5C04B97D2B}" type="datetime1">
               <a:rPr lang="hu-HU" smtClean="0"/>
-              <a:t>2025. 10. 19.</a:t>
+              <a:t>2025. 10. 21.</a:t>
             </a:fld>
             <a:endParaRPr lang="hu-HU"/>
           </a:p>
@@ -4924,9 +5297,9 @@
             </a:lvl1pPr>
           </a:lstStyle>
           <a:p>
-            <a:fld id="{7E4EC488-1808-4DE7-A821-45CFABF6AECC}" type="datetimeFigureOut">
+            <a:fld id="{B6659891-C9F6-47E8-98CA-2FD473234C8D}" type="datetime1">
               <a:rPr lang="hu-HU" smtClean="0"/>
-              <a:t>2025. 10. 19.</a:t>
+              <a:t>2025. 10. 21.</a:t>
             </a:fld>
             <a:endParaRPr lang="hu-HU"/>
           </a:p>
@@ -5166,9 +5539,9 @@
           <a:bodyPr/>
           <a:lstStyle/>
           <a:p>
-            <a:fld id="{7E4EC488-1808-4DE7-A821-45CFABF6AECC}" type="datetimeFigureOut">
+            <a:fld id="{8E454938-6622-4A24-8224-870A249CCFBF}" type="datetime1">
               <a:rPr lang="hu-HU" smtClean="0"/>
-              <a:t>2025. 10. 19.</a:t>
+              <a:t>2025. 10. 21.</a:t>
             </a:fld>
             <a:endParaRPr lang="hu-HU"/>
           </a:p>
@@ -5545,9 +5918,9 @@
           <a:bodyPr/>
           <a:lstStyle/>
           <a:p>
-            <a:fld id="{7E4EC488-1808-4DE7-A821-45CFABF6AECC}" type="datetimeFigureOut">
+            <a:fld id="{5EB9D10C-EBC0-4126-9AF9-B5607438EB0A}" type="datetime1">
               <a:rPr lang="hu-HU" smtClean="0"/>
-              <a:t>2025. 10. 19.</a:t>
+              <a:t>2025. 10. 21.</a:t>
             </a:fld>
             <a:endParaRPr lang="hu-HU"/>
           </a:p>
@@ -5663,9 +6036,9 @@
           <a:bodyPr/>
           <a:lstStyle/>
           <a:p>
-            <a:fld id="{7E4EC488-1808-4DE7-A821-45CFABF6AECC}" type="datetimeFigureOut">
+            <a:fld id="{F15604CE-11A7-4611-BD56-1BE18AF35C63}" type="datetime1">
               <a:rPr lang="hu-HU" smtClean="0"/>
-              <a:t>2025. 10. 19.</a:t>
+              <a:t>2025. 10. 21.</a:t>
             </a:fld>
             <a:endParaRPr lang="hu-HU"/>
           </a:p>
@@ -5758,9 +6131,9 @@
           <a:bodyPr/>
           <a:lstStyle/>
           <a:p>
-            <a:fld id="{7E4EC488-1808-4DE7-A821-45CFABF6AECC}" type="datetimeFigureOut">
+            <a:fld id="{10A705DA-F6F0-4A65-9039-B967E747FED6}" type="datetime1">
               <a:rPr lang="hu-HU" smtClean="0"/>
-              <a:t>2025. 10. 19.</a:t>
+              <a:t>2025. 10. 21.</a:t>
             </a:fld>
             <a:endParaRPr lang="hu-HU"/>
           </a:p>
@@ -6007,9 +6380,9 @@
           <a:bodyPr/>
           <a:lstStyle/>
           <a:p>
-            <a:fld id="{7E4EC488-1808-4DE7-A821-45CFABF6AECC}" type="datetimeFigureOut">
+            <a:fld id="{6A83221D-FB2C-40C7-A063-A84AED231A6C}" type="datetime1">
               <a:rPr lang="hu-HU" smtClean="0"/>
-              <a:t>2025. 10. 19.</a:t>
+              <a:t>2025. 10. 21.</a:t>
             </a:fld>
             <a:endParaRPr lang="hu-HU"/>
           </a:p>
@@ -6264,9 +6637,9 @@
           <a:bodyPr/>
           <a:lstStyle/>
           <a:p>
-            <a:fld id="{7E4EC488-1808-4DE7-A821-45CFABF6AECC}" type="datetimeFigureOut">
+            <a:fld id="{F99FEC84-718D-4BCE-92E8-B17C2EC8F616}" type="datetime1">
               <a:rPr lang="hu-HU" smtClean="0"/>
-              <a:t>2025. 10. 19.</a:t>
+              <a:t>2025. 10. 21.</a:t>
             </a:fld>
             <a:endParaRPr lang="hu-HU"/>
           </a:p>
@@ -6507,9 +6880,9 @@
             </a:lvl1pPr>
           </a:lstStyle>
           <a:p>
-            <a:fld id="{7E4EC488-1808-4DE7-A821-45CFABF6AECC}" type="datetimeFigureOut">
+            <a:fld id="{D0046F07-650D-4023-A93B-94103FB4C3BA}" type="datetime1">
               <a:rPr lang="hu-HU" smtClean="0"/>
-              <a:t>2025. 10. 19.</a:t>
+              <a:t>2025. 10. 21.</a:t>
             </a:fld>
             <a:endParaRPr lang="hu-HU"/>
           </a:p>
@@ -6620,6 +6993,7 @@
     <p:sldLayoutId id="2147483778" r:id="rId16"/>
     <p:sldLayoutId id="2147483779" r:id="rId17"/>
   </p:sldLayoutIdLst>
+  <p:hf sldNum="0" hdr="0" ftr="0"/>
   <p:txStyles>
     <p:titleStyle>
       <a:lvl1pPr algn="r" defTabSz="914400" rtl="0" eaLnBrk="1" latinLnBrk="0" hangingPunct="1">
@@ -7051,8 +7425,8 @@
         </p:nvSpPr>
         <p:spPr>
           <a:xfrm>
-            <a:off x="5929181" y="144489"/>
-            <a:ext cx="5960883" cy="1361512"/>
+            <a:off x="1766888" y="220948"/>
+            <a:ext cx="8658224" cy="1361512"/>
           </a:xfrm>
           <a:prstGeom prst="rect">
             <a:avLst/>
@@ -7163,8 +7537,8 @@
         </p:nvSpPr>
         <p:spPr>
           <a:xfrm>
-            <a:off x="251397" y="1803405"/>
-            <a:ext cx="8658225" cy="646331"/>
+            <a:off x="1766887" y="1905000"/>
+            <a:ext cx="8658225" cy="2554545"/>
           </a:xfrm>
           <a:prstGeom prst="rect">
             <a:avLst/>
@@ -7177,62 +7551,49 @@
           </a:bodyPr>
           <a:lstStyle/>
           <a:p>
-            <a:r>
-              <a:rPr lang="hu-HU" b="1" dirty="0">
+            <a:pPr algn="ctr"/>
+            <a:r>
+              <a:rPr lang="hu-HU" sz="4000" b="1" dirty="0">
                 <a:latin typeface="Arial" panose="020B0604020202020204" pitchFamily="34" charset="0"/>
                 <a:cs typeface="Arial" panose="020B0604020202020204" pitchFamily="34" charset="0"/>
               </a:rPr>
               <a:t>Mechwart András Gépipari és Informati</a:t>
             </a:r>
             <a:r>
-              <a:rPr lang="en-US" b="1" dirty="0">
+              <a:rPr lang="en-US" sz="4000" b="1" dirty="0">
                 <a:latin typeface="Arial" panose="020B0604020202020204" pitchFamily="34" charset="0"/>
                 <a:cs typeface="Arial" panose="020B0604020202020204" pitchFamily="34" charset="0"/>
               </a:rPr>
               <a:t>ai </a:t>
             </a:r>
             <a:r>
-              <a:rPr lang="hu-HU" b="1" dirty="0">
+              <a:rPr lang="hu-HU" sz="4000" b="1" dirty="0">
                 <a:latin typeface="Arial" panose="020B0604020202020204" pitchFamily="34" charset="0"/>
                 <a:cs typeface="Arial" panose="020B0604020202020204" pitchFamily="34" charset="0"/>
               </a:rPr>
-              <a:t>Technikum és</a:t>
-            </a:r>
-            <a:r>
-              <a:rPr lang="en-US" b="1" dirty="0">
-                <a:latin typeface="Arial" panose="020B0604020202020204" pitchFamily="34" charset="0"/>
-                <a:cs typeface="Arial" panose="020B0604020202020204" pitchFamily="34" charset="0"/>
-              </a:rPr>
-              <a:t> </a:t>
-            </a:r>
-            <a:r>
-              <a:rPr lang="hu-HU" b="1" dirty="0">
-                <a:latin typeface="Arial" panose="020B0604020202020204" pitchFamily="34" charset="0"/>
-                <a:cs typeface="Arial" panose="020B0604020202020204" pitchFamily="34" charset="0"/>
-              </a:rPr>
-              <a:t>Szakképzési Centrum</a:t>
+              <a:t>Technikum Szakképzési Centrum</a:t>
             </a:r>
             <a:br>
-              <a:rPr lang="en-US" b="1" dirty="0">
+              <a:rPr lang="en-US" sz="4000" b="1" dirty="0">
                 <a:latin typeface="Arial" panose="020B0604020202020204" pitchFamily="34" charset="0"/>
                 <a:cs typeface="Arial" panose="020B0604020202020204" pitchFamily="34" charset="0"/>
               </a:rPr>
             </a:br>
             <a:r>
-              <a:rPr lang="en-US" b="1" dirty="0">
+              <a:rPr lang="en-US" sz="4000" b="1" dirty="0">
                 <a:latin typeface="Arial" panose="020B0604020202020204" pitchFamily="34" charset="0"/>
                 <a:cs typeface="Arial" panose="020B0604020202020204" pitchFamily="34" charset="0"/>
               </a:rPr>
               <a:t>IKT </a:t>
             </a:r>
             <a:r>
-              <a:rPr lang="en-US" b="1" dirty="0" err="1">
+              <a:rPr lang="en-US" sz="4000" b="1" dirty="0" err="1">
                 <a:latin typeface="Arial" panose="020B0604020202020204" pitchFamily="34" charset="0"/>
                 <a:cs typeface="Arial" panose="020B0604020202020204" pitchFamily="34" charset="0"/>
               </a:rPr>
               <a:t>Projektmunka</a:t>
             </a:r>
-            <a:endParaRPr lang="hu-HU" dirty="0"/>
+            <a:endParaRPr lang="hu-HU" sz="4000" dirty="0"/>
           </a:p>
         </p:txBody>
       </p:sp>
@@ -7269,6 +7630,42 @@
               <a:t>a</a:t>
             </a:r>
             <a:endParaRPr lang="hu-HU" sz="100" dirty="0"/>
+          </a:p>
+        </p:txBody>
+      </p:sp>
+      <p:sp>
+        <p:nvSpPr>
+          <p:cNvPr id="2" name="Szövegdoboz 1">
+            <a:extLst>
+              <a:ext uri="{FF2B5EF4-FFF2-40B4-BE49-F238E27FC236}">
+                <a16:creationId xmlns:a16="http://schemas.microsoft.com/office/drawing/2014/main" id="{0D26E812-96EA-4602-97A0-FF84013A83AB}"/>
+              </a:ext>
+            </a:extLst>
+          </p:cNvPr>
+          <p:cNvSpPr txBox="1"/>
+          <p:nvPr/>
+        </p:nvSpPr>
+        <p:spPr>
+          <a:xfrm>
+            <a:off x="4013199" y="4710643"/>
+            <a:ext cx="4165600" cy="584775"/>
+          </a:xfrm>
+          <a:prstGeom prst="rect">
+            <a:avLst/>
+          </a:prstGeom>
+          <a:noFill/>
+        </p:spPr>
+        <p:txBody>
+          <a:bodyPr wrap="square" rtlCol="0">
+            <a:spAutoFit/>
+          </a:bodyPr>
+          <a:lstStyle/>
+          <a:p>
+            <a:pPr algn="ctr"/>
+            <a:r>
+              <a:rPr lang="hu-HU" sz="3200" b="1" i="1" dirty="0"/>
+              <a:t>10/c</a:t>
+            </a:r>
           </a:p>
         </p:txBody>
       </p:sp>
@@ -7686,7 +8083,7 @@
         <p:spPr>
           <a:xfrm>
             <a:off x="281446" y="1176848"/>
-            <a:ext cx="11265095" cy="923330"/>
+            <a:ext cx="11265095" cy="1938992"/>
           </a:xfrm>
           <a:prstGeom prst="rect">
             <a:avLst/>
@@ -7704,19 +8101,19 @@
               <a:buChar char="•"/>
             </a:pPr>
             <a:r>
-              <a:rPr lang="en-US" dirty="0">
+              <a:rPr lang="en-US" sz="4000" dirty="0">
                 <a:latin typeface="Acumin Pro" panose="020B0504020202020204" pitchFamily="34" charset="0"/>
               </a:rPr>
               <a:t>Kuik-Filep Roland (</a:t>
             </a:r>
             <a:r>
-              <a:rPr lang="en-US" dirty="0" err="1">
+              <a:rPr lang="en-US" sz="4000" dirty="0" err="1">
                 <a:latin typeface="Acumin Pro" panose="020B0504020202020204" pitchFamily="34" charset="0"/>
               </a:rPr>
               <a:t>Csapatkapitány</a:t>
             </a:r>
             <a:r>
-              <a:rPr lang="en-US" dirty="0">
+              <a:rPr lang="en-US" sz="4000" dirty="0">
                 <a:latin typeface="Acumin Pro" panose="020B0504020202020204" pitchFamily="34" charset="0"/>
               </a:rPr>
               <a:t>)</a:t>
@@ -7728,7 +8125,7 @@
               <a:buChar char="•"/>
             </a:pPr>
             <a:r>
-              <a:rPr lang="en-US" dirty="0">
+              <a:rPr lang="en-US" sz="4000" dirty="0">
                 <a:latin typeface="Acumin Pro" panose="020B0504020202020204" pitchFamily="34" charset="0"/>
               </a:rPr>
               <a:t>Győri Roland Attila</a:t>
@@ -7740,12 +8137,12 @@
               <a:buChar char="•"/>
             </a:pPr>
             <a:r>
-              <a:rPr lang="en-US" dirty="0">
+              <a:rPr lang="en-US" sz="4000" dirty="0">
                 <a:latin typeface="Acumin Pro" panose="020B0504020202020204" pitchFamily="34" charset="0"/>
               </a:rPr>
               <a:t>Béres Sándor Márk</a:t>
             </a:r>
-            <a:endParaRPr lang="hu-HU" dirty="0">
+            <a:endParaRPr lang="hu-HU" sz="4000" dirty="0">
               <a:latin typeface="Acumin Pro" panose="020B0504020202020204" pitchFamily="34" charset="0"/>
             </a:endParaRPr>
           </a:p>
@@ -7766,7 +8163,7 @@
         <p:spPr>
           <a:xfrm>
             <a:off x="281446" y="257686"/>
-            <a:ext cx="5643104" cy="830997"/>
+            <a:ext cx="5643104" cy="923330"/>
           </a:xfrm>
           <a:prstGeom prst="rect">
             <a:avLst/>
@@ -7780,20 +8177,20 @@
           <a:lstStyle/>
           <a:p>
             <a:r>
-              <a:rPr lang="en-US" sz="4800" b="1" dirty="0" err="1">
+              <a:rPr lang="en-US" sz="5400" b="1" dirty="0" err="1">
                 <a:latin typeface="Arial" panose="020B0604020202020204" pitchFamily="34" charset="0"/>
                 <a:cs typeface="Arial" panose="020B0604020202020204" pitchFamily="34" charset="0"/>
               </a:rPr>
               <a:t>Csapattagok</a:t>
             </a:r>
             <a:r>
-              <a:rPr lang="en-US" sz="4800" b="1" dirty="0">
+              <a:rPr lang="en-US" sz="5400" b="1" dirty="0">
                 <a:latin typeface="Arial" panose="020B0604020202020204" pitchFamily="34" charset="0"/>
                 <a:cs typeface="Arial" panose="020B0604020202020204" pitchFamily="34" charset="0"/>
               </a:rPr>
               <a:t>:</a:t>
             </a:r>
-            <a:endParaRPr lang="hu-HU" sz="4800" b="1" dirty="0">
+            <a:endParaRPr lang="hu-HU" sz="5400" b="1" dirty="0">
               <a:latin typeface="Arial" panose="020B0604020202020204" pitchFamily="34" charset="0"/>
               <a:cs typeface="Arial" panose="020B0604020202020204" pitchFamily="34" charset="0"/>
             </a:endParaRPr>
@@ -8340,8 +8737,8 @@
         </p:nvSpPr>
         <p:spPr>
           <a:xfrm>
-            <a:off x="281446" y="1176848"/>
-            <a:ext cx="11265095" cy="1477328"/>
+            <a:off x="463452" y="1361514"/>
+            <a:ext cx="11265095" cy="3416320"/>
           </a:xfrm>
           <a:prstGeom prst="rect">
             <a:avLst/>
@@ -8359,36 +8756,36 @@
               <a:buChar char="•"/>
             </a:pPr>
             <a:r>
-              <a:rPr lang="en-US" dirty="0" err="1">
+              <a:rPr lang="en-US" sz="3600" dirty="0" err="1">
                 <a:latin typeface="Acumin Pro" panose="020B0504020202020204" pitchFamily="34" charset="0"/>
               </a:rPr>
               <a:t>Amerikai</a:t>
             </a:r>
             <a:r>
-              <a:rPr lang="en-US" dirty="0">
+              <a:rPr lang="en-US" sz="3600" dirty="0">
                 <a:latin typeface="Acumin Pro" panose="020B0504020202020204" pitchFamily="34" charset="0"/>
               </a:rPr>
               <a:t> </a:t>
             </a:r>
             <a:r>
-              <a:rPr lang="en-US" dirty="0" err="1">
+              <a:rPr lang="en-US" sz="3600" dirty="0" err="1">
                 <a:latin typeface="Acumin Pro" panose="020B0504020202020204" pitchFamily="34" charset="0"/>
               </a:rPr>
               <a:t>Nemzetközi</a:t>
             </a:r>
             <a:r>
-              <a:rPr lang="en-US" dirty="0">
+              <a:rPr lang="en-US" sz="3600" dirty="0">
                 <a:latin typeface="Acumin Pro" panose="020B0504020202020204" pitchFamily="34" charset="0"/>
               </a:rPr>
               <a:t> </a:t>
             </a:r>
             <a:r>
-              <a:rPr lang="en-US" dirty="0" err="1">
+              <a:rPr lang="en-US" sz="3600" dirty="0" err="1">
                 <a:latin typeface="Acumin Pro" panose="020B0504020202020204" pitchFamily="34" charset="0"/>
               </a:rPr>
               <a:t>Vállalat</a:t>
             </a:r>
-            <a:endParaRPr lang="en-US" dirty="0">
+            <a:endParaRPr lang="en-US" sz="3600" dirty="0">
               <a:latin typeface="Acumin Pro" panose="020B0504020202020204" pitchFamily="34" charset="0"/>
             </a:endParaRPr>
           </a:p>
@@ -8398,12 +8795,12 @@
               <a:buChar char="•"/>
             </a:pPr>
             <a:r>
-              <a:rPr lang="hu-HU" dirty="0">
+              <a:rPr lang="hu-HU" sz="3600" dirty="0">
                 <a:latin typeface="Acumin Pro" panose="020B0504020202020204" pitchFamily="34" charset="0"/>
               </a:rPr>
               <a:t>Git alapú verziókövetés és forráskódkezelés</a:t>
             </a:r>
-            <a:endParaRPr lang="en-US" dirty="0">
+            <a:endParaRPr lang="en-US" sz="3600" dirty="0">
               <a:latin typeface="Acumin Pro" panose="020B0504020202020204" pitchFamily="34" charset="0"/>
             </a:endParaRPr>
           </a:p>
@@ -8413,12 +8810,12 @@
               <a:buChar char="•"/>
             </a:pPr>
             <a:r>
-              <a:rPr lang="hu-HU" dirty="0">
+              <a:rPr lang="hu-HU" sz="3600" dirty="0">
                 <a:latin typeface="Acumin Pro" panose="020B0504020202020204" pitchFamily="34" charset="0"/>
               </a:rPr>
               <a:t>Funkciók: hozzáférés-kezelés, hibakövetés, feladatkezelés, wiki</a:t>
             </a:r>
-            <a:endParaRPr lang="en-US" dirty="0">
+            <a:endParaRPr lang="en-US" sz="3600" dirty="0">
               <a:latin typeface="Acumin Pro" panose="020B0504020202020204" pitchFamily="34" charset="0"/>
             </a:endParaRPr>
           </a:p>
@@ -8428,7 +8825,7 @@
               <a:buChar char="•"/>
             </a:pPr>
             <a:r>
-              <a:rPr lang="da-DK" dirty="0">
+              <a:rPr lang="da-DK" sz="3600" dirty="0">
                 <a:latin typeface="Acumin Pro" panose="020B0504020202020204" pitchFamily="34" charset="0"/>
               </a:rPr>
               <a:t>Indulás: 2008 (de már 2007-ben fejlesztették)</a:t>
@@ -8440,10 +8837,10 @@
               <a:buChar char="•"/>
             </a:pPr>
             <a:r>
-              <a:rPr lang="hu-HU" dirty="0">
+              <a:rPr lang="hu-HU" sz="3600" dirty="0">
                 <a:latin typeface="Acumin Pro" panose="020B0504020202020204" pitchFamily="34" charset="0"/>
               </a:rPr>
-              <a:t>Microsoft felvásárlás: 2018 (7,5 milliárd USD)</a:t>
+              <a:t>Microsoft felvásárlás: 2018</a:t>
             </a:r>
           </a:p>
         </p:txBody>
@@ -8463,7 +8860,7 @@
         <p:spPr>
           <a:xfrm>
             <a:off x="281446" y="257686"/>
-            <a:ext cx="5643104" cy="830997"/>
+            <a:ext cx="12104518" cy="1015663"/>
           </a:xfrm>
           <a:prstGeom prst="rect">
             <a:avLst/>
@@ -8477,27 +8874,27 @@
           <a:lstStyle/>
           <a:p>
             <a:r>
-              <a:rPr lang="en-US" sz="4800" b="1" dirty="0">
+              <a:rPr lang="en-US" sz="6000" b="1" dirty="0">
                 <a:latin typeface="Arial" panose="020B0604020202020204" pitchFamily="34" charset="0"/>
                 <a:cs typeface="Arial" panose="020B0604020202020204" pitchFamily="34" charset="0"/>
               </a:rPr>
               <a:t>A GitHub </a:t>
             </a:r>
             <a:r>
-              <a:rPr lang="en-US" sz="4800" b="1" dirty="0" err="1">
+              <a:rPr lang="en-US" sz="6000" b="1" dirty="0" err="1">
                 <a:latin typeface="Arial" panose="020B0604020202020204" pitchFamily="34" charset="0"/>
                 <a:cs typeface="Arial" panose="020B0604020202020204" pitchFamily="34" charset="0"/>
               </a:rPr>
               <a:t>Röviden</a:t>
             </a:r>
             <a:r>
-              <a:rPr lang="en-US" sz="4800" b="1" dirty="0">
+              <a:rPr lang="en-US" sz="6000" b="1" dirty="0">
                 <a:latin typeface="Arial" panose="020B0604020202020204" pitchFamily="34" charset="0"/>
                 <a:cs typeface="Arial" panose="020B0604020202020204" pitchFamily="34" charset="0"/>
               </a:rPr>
               <a:t>:</a:t>
             </a:r>
-            <a:endParaRPr lang="hu-HU" sz="4800" b="1" dirty="0">
+            <a:endParaRPr lang="hu-HU" sz="6000" b="1" dirty="0">
               <a:latin typeface="Arial" panose="020B0604020202020204" pitchFamily="34" charset="0"/>
               <a:cs typeface="Arial" panose="020B0604020202020204" pitchFamily="34" charset="0"/>
             </a:endParaRPr>
@@ -9290,92 +9687,6 @@
       </p:sp>
       <p:sp>
         <p:nvSpPr>
-          <p:cNvPr id="6" name="TextBox 5">
-            <a:extLst>
-              <a:ext uri="{FF2B5EF4-FFF2-40B4-BE49-F238E27FC236}">
-                <a16:creationId xmlns:a16="http://schemas.microsoft.com/office/drawing/2014/main" id="{4892E2FA-0DAC-BD1B-7F25-A04B77FDD9EF}"/>
-              </a:ext>
-            </a:extLst>
-          </p:cNvPr>
-          <p:cNvSpPr txBox="1"/>
-          <p:nvPr/>
-        </p:nvSpPr>
-        <p:spPr>
-          <a:xfrm>
-            <a:off x="281446" y="1176848"/>
-            <a:ext cx="11265095" cy="1200329"/>
-          </a:xfrm>
-          <a:prstGeom prst="rect">
-            <a:avLst/>
-          </a:prstGeom>
-          <a:noFill/>
-        </p:spPr>
-        <p:txBody>
-          <a:bodyPr wrap="square" rtlCol="0">
-            <a:spAutoFit/>
-          </a:bodyPr>
-          <a:lstStyle/>
-          <a:p>
-            <a:pPr marL="285750" indent="-285750">
-              <a:buFont typeface="Arial" panose="020B0604020202020204" pitchFamily="34" charset="0"/>
-              <a:buChar char="•"/>
-            </a:pPr>
-            <a:r>
-              <a:rPr lang="hu-HU" dirty="0">
-                <a:latin typeface="Acumin Pro" panose="020B0504020202020204" pitchFamily="34" charset="0"/>
-              </a:rPr>
-              <a:t>Chris Wanstrath</a:t>
-            </a:r>
-            <a:endParaRPr lang="en-US" dirty="0">
-              <a:latin typeface="Acumin Pro" panose="020B0504020202020204" pitchFamily="34" charset="0"/>
-            </a:endParaRPr>
-          </a:p>
-          <a:p>
-            <a:pPr marL="285750" indent="-285750">
-              <a:buFont typeface="Arial" panose="020B0604020202020204" pitchFamily="34" charset="0"/>
-              <a:buChar char="•"/>
-            </a:pPr>
-            <a:r>
-              <a:rPr lang="hu-HU" dirty="0">
-                <a:latin typeface="Acumin Pro" panose="020B0504020202020204" pitchFamily="34" charset="0"/>
-              </a:rPr>
-              <a:t>PJ Hyett</a:t>
-            </a:r>
-            <a:endParaRPr lang="en-US" dirty="0">
-              <a:latin typeface="Acumin Pro" panose="020B0504020202020204" pitchFamily="34" charset="0"/>
-            </a:endParaRPr>
-          </a:p>
-          <a:p>
-            <a:pPr marL="285750" indent="-285750">
-              <a:buFont typeface="Arial" panose="020B0604020202020204" pitchFamily="34" charset="0"/>
-              <a:buChar char="•"/>
-            </a:pPr>
-            <a:r>
-              <a:rPr lang="hu-HU" dirty="0">
-                <a:latin typeface="Acumin Pro" panose="020B0504020202020204" pitchFamily="34" charset="0"/>
-              </a:rPr>
-              <a:t>Tom Preston-Werner</a:t>
-            </a:r>
-            <a:endParaRPr lang="en-US" dirty="0">
-              <a:latin typeface="Acumin Pro" panose="020B0504020202020204" pitchFamily="34" charset="0"/>
-            </a:endParaRPr>
-          </a:p>
-          <a:p>
-            <a:pPr marL="285750" indent="-285750">
-              <a:buFont typeface="Arial" panose="020B0604020202020204" pitchFamily="34" charset="0"/>
-              <a:buChar char="•"/>
-            </a:pPr>
-            <a:r>
-              <a:rPr lang="hu-HU" dirty="0">
-                <a:latin typeface="Acumin Pro" panose="020B0504020202020204" pitchFamily="34" charset="0"/>
-              </a:rPr>
-              <a:t>Scott Chacon</a:t>
-            </a:r>
-          </a:p>
-        </p:txBody>
-      </p:sp>
-      <p:sp>
-        <p:nvSpPr>
           <p:cNvPr id="9" name="TextBox 8">
             <a:extLst>
               <a:ext uri="{FF2B5EF4-FFF2-40B4-BE49-F238E27FC236}">
@@ -9388,8 +9699,8 @@
         </p:nvSpPr>
         <p:spPr>
           <a:xfrm>
-            <a:off x="281446" y="257686"/>
-            <a:ext cx="5643104" cy="830997"/>
+            <a:off x="281445" y="257686"/>
+            <a:ext cx="12178409" cy="830997"/>
           </a:xfrm>
           <a:prstGeom prst="rect">
             <a:avLst/>
@@ -9403,11 +9714,11 @@
           <a:lstStyle/>
           <a:p>
             <a:r>
-              <a:rPr lang="en-US" sz="4800" b="1" dirty="0" err="1">
+              <a:rPr lang="hu-HU" sz="4800" b="1" dirty="0">
                 <a:latin typeface="Arial" panose="020B0604020202020204" pitchFamily="34" charset="0"/>
                 <a:cs typeface="Arial" panose="020B0604020202020204" pitchFamily="34" charset="0"/>
               </a:rPr>
-              <a:t>Alapítók</a:t>
+              <a:t>Csapatmunkában való előnyei</a:t>
             </a:r>
             <a:r>
               <a:rPr lang="en-US" sz="4800" b="1" dirty="0">
@@ -9423,43 +9734,107 @@
           </a:p>
         </p:txBody>
       </p:sp>
-      <p:pic>
-        <p:nvPicPr>
-          <p:cNvPr id="3" name="Picture 2">
+      <p:sp>
+        <p:nvSpPr>
+          <p:cNvPr id="2" name="Szövegdoboz 1">
             <a:extLst>
               <a:ext uri="{FF2B5EF4-FFF2-40B4-BE49-F238E27FC236}">
-                <a16:creationId xmlns:a16="http://schemas.microsoft.com/office/drawing/2014/main" id="{67D4AB72-D141-F485-5CDF-565D151998FD}"/>
+                <a16:creationId xmlns:a16="http://schemas.microsoft.com/office/drawing/2014/main" id="{1459C29A-A850-446E-98E8-998D39FD2D2A}"/>
               </a:ext>
             </a:extLst>
           </p:cNvPr>
-          <p:cNvPicPr>
-            <a:picLocks noChangeAspect="1"/>
-          </p:cNvPicPr>
+          <p:cNvSpPr txBox="1"/>
           <p:nvPr/>
-        </p:nvPicPr>
-        <p:blipFill>
-          <a:blip r:embed="rId4">
-            <a:extLst>
-              <a:ext uri="{28A0092B-C50C-407E-A947-70E740481C1C}">
-                <a14:useLocalDpi xmlns:a14="http://schemas.microsoft.com/office/drawing/2010/main" val="0"/>
-              </a:ext>
-            </a:extLst>
-          </a:blip>
-          <a:srcRect l="2005" t="2679" r="2427" b="3022"/>
-          <a:stretch>
-            <a:fillRect/>
-          </a:stretch>
-        </p:blipFill>
+        </p:nvSpPr>
         <p:spPr>
           <a:xfrm>
-            <a:off x="4908884" y="3077468"/>
-            <a:ext cx="6795436" cy="3522846"/>
+            <a:off x="281446" y="1209964"/>
+            <a:ext cx="9675354" cy="3416320"/>
           </a:xfrm>
           <a:prstGeom prst="rect">
             <a:avLst/>
           </a:prstGeom>
+          <a:noFill/>
         </p:spPr>
-      </p:pic>
+        <p:txBody>
+          <a:bodyPr wrap="square" rtlCol="0">
+            <a:spAutoFit/>
+          </a:bodyPr>
+          <a:lstStyle/>
+          <a:p>
+            <a:pPr marL="285750" indent="-285750">
+              <a:buFont typeface="Arial" panose="020B0604020202020204" pitchFamily="34" charset="0"/>
+              <a:buChar char="•"/>
+            </a:pPr>
+            <a:r>
+              <a:rPr lang="hu-HU" sz="3600" dirty="0"/>
+              <a:t>Korlátlan fájl méretek</a:t>
+            </a:r>
+          </a:p>
+          <a:p>
+            <a:pPr marL="285750" indent="-285750">
+              <a:buFont typeface="Arial" panose="020B0604020202020204" pitchFamily="34" charset="0"/>
+              <a:buChar char="•"/>
+            </a:pPr>
+            <a:r>
+              <a:rPr lang="hu-HU" sz="3600" dirty="0"/>
+              <a:t>Rugalmas elérhetőség</a:t>
+            </a:r>
+          </a:p>
+          <a:p>
+            <a:pPr marL="285750" indent="-285750">
+              <a:buFont typeface="Arial" panose="020B0604020202020204" pitchFamily="34" charset="0"/>
+              <a:buChar char="•"/>
+            </a:pPr>
+            <a:r>
+              <a:rPr lang="hu-HU" sz="3600" dirty="0"/>
+              <a:t>Nyomon követhető</a:t>
+            </a:r>
+          </a:p>
+          <a:p>
+            <a:pPr marL="285750" indent="-285750">
+              <a:buFont typeface="Arial" panose="020B0604020202020204" pitchFamily="34" charset="0"/>
+              <a:buChar char="•"/>
+            </a:pPr>
+            <a:r>
+              <a:rPr lang="hu-HU" sz="3600" dirty="0" err="1"/>
+              <a:t>Cod</a:t>
+            </a:r>
+            <a:r>
+              <a:rPr lang="hu-HU" sz="3600" dirty="0"/>
+              <a:t> testelésre alkalma(</a:t>
+            </a:r>
+            <a:r>
+              <a:rPr lang="hu-HU" sz="3600" dirty="0" err="1"/>
+              <a:t>brantch</a:t>
+            </a:r>
+            <a:r>
+              <a:rPr lang="hu-HU" sz="3600" dirty="0"/>
+              <a:t>)</a:t>
+            </a:r>
+          </a:p>
+          <a:p>
+            <a:pPr marL="285750" indent="-285750">
+              <a:buFont typeface="Arial" panose="020B0604020202020204" pitchFamily="34" charset="0"/>
+              <a:buChar char="•"/>
+            </a:pPr>
+            <a:r>
+              <a:rPr lang="hu-HU" sz="3600" dirty="0"/>
+              <a:t>Kommunikáció</a:t>
+            </a:r>
+          </a:p>
+          <a:p>
+            <a:pPr marL="285750" indent="-285750">
+              <a:buFont typeface="Arial" panose="020B0604020202020204" pitchFamily="34" charset="0"/>
+              <a:buChar char="•"/>
+            </a:pPr>
+            <a:r>
+              <a:rPr lang="hu-HU" sz="3600" dirty="0"/>
+              <a:t>Biztonság</a:t>
+            </a:r>
+          </a:p>
+        </p:txBody>
+      </p:sp>
     </p:spTree>
     <p:extLst>
       <p:ext uri="{BB962C8B-B14F-4D97-AF65-F5344CB8AC3E}">
@@ -9581,303 +9956,6 @@
                       </p:childTnLst>
                     </p:cTn>
                   </p:par>
-                  <p:par>
-                    <p:cTn id="9" fill="hold">
-                      <p:stCondLst>
-                        <p:cond delay="indefinite"/>
-                      </p:stCondLst>
-                      <p:childTnLst>
-                        <p:par>
-                          <p:cTn id="10" fill="hold">
-                            <p:stCondLst>
-                              <p:cond delay="0"/>
-                            </p:stCondLst>
-                            <p:childTnLst>
-                              <p:par>
-                                <p:cTn id="11" presetID="10" presetClass="entr" presetSubtype="0" fill="hold" nodeType="clickEffect">
-                                  <p:stCondLst>
-                                    <p:cond delay="0"/>
-                                  </p:stCondLst>
-                                  <p:childTnLst>
-                                    <p:set>
-                                      <p:cBhvr>
-                                        <p:cTn id="12" dur="1" fill="hold">
-                                          <p:stCondLst>
-                                            <p:cond delay="0"/>
-                                          </p:stCondLst>
-                                        </p:cTn>
-                                        <p:tgtEl>
-                                          <p:spTgt spid="6">
-                                            <p:txEl>
-                                              <p:pRg st="0" end="0"/>
-                                            </p:txEl>
-                                          </p:spTgt>
-                                        </p:tgtEl>
-                                        <p:attrNameLst>
-                                          <p:attrName>style.visibility</p:attrName>
-                                        </p:attrNameLst>
-                                      </p:cBhvr>
-                                      <p:to>
-                                        <p:strVal val="visible"/>
-                                      </p:to>
-                                    </p:set>
-                                    <p:animEffect transition="in" filter="fade">
-                                      <p:cBhvr>
-                                        <p:cTn id="13" dur="500"/>
-                                        <p:tgtEl>
-                                          <p:spTgt spid="6">
-                                            <p:txEl>
-                                              <p:pRg st="0" end="0"/>
-                                            </p:txEl>
-                                          </p:spTgt>
-                                        </p:tgtEl>
-                                      </p:cBhvr>
-                                    </p:animEffect>
-                                  </p:childTnLst>
-                                </p:cTn>
-                              </p:par>
-                            </p:childTnLst>
-                          </p:cTn>
-                        </p:par>
-                      </p:childTnLst>
-                    </p:cTn>
-                  </p:par>
-                  <p:par>
-                    <p:cTn id="14" fill="hold">
-                      <p:stCondLst>
-                        <p:cond delay="indefinite"/>
-                      </p:stCondLst>
-                      <p:childTnLst>
-                        <p:par>
-                          <p:cTn id="15" fill="hold">
-                            <p:stCondLst>
-                              <p:cond delay="0"/>
-                            </p:stCondLst>
-                            <p:childTnLst>
-                              <p:par>
-                                <p:cTn id="16" presetID="10" presetClass="entr" presetSubtype="0" fill="hold" nodeType="clickEffect">
-                                  <p:stCondLst>
-                                    <p:cond delay="0"/>
-                                  </p:stCondLst>
-                                  <p:childTnLst>
-                                    <p:set>
-                                      <p:cBhvr>
-                                        <p:cTn id="17" dur="1" fill="hold">
-                                          <p:stCondLst>
-                                            <p:cond delay="0"/>
-                                          </p:stCondLst>
-                                        </p:cTn>
-                                        <p:tgtEl>
-                                          <p:spTgt spid="6">
-                                            <p:txEl>
-                                              <p:pRg st="1" end="1"/>
-                                            </p:txEl>
-                                          </p:spTgt>
-                                        </p:tgtEl>
-                                        <p:attrNameLst>
-                                          <p:attrName>style.visibility</p:attrName>
-                                        </p:attrNameLst>
-                                      </p:cBhvr>
-                                      <p:to>
-                                        <p:strVal val="visible"/>
-                                      </p:to>
-                                    </p:set>
-                                    <p:animEffect transition="in" filter="fade">
-                                      <p:cBhvr>
-                                        <p:cTn id="18" dur="500"/>
-                                        <p:tgtEl>
-                                          <p:spTgt spid="6">
-                                            <p:txEl>
-                                              <p:pRg st="1" end="1"/>
-                                            </p:txEl>
-                                          </p:spTgt>
-                                        </p:tgtEl>
-                                      </p:cBhvr>
-                                    </p:animEffect>
-                                  </p:childTnLst>
-                                </p:cTn>
-                              </p:par>
-                            </p:childTnLst>
-                          </p:cTn>
-                        </p:par>
-                      </p:childTnLst>
-                    </p:cTn>
-                  </p:par>
-                  <p:par>
-                    <p:cTn id="19" fill="hold">
-                      <p:stCondLst>
-                        <p:cond delay="indefinite"/>
-                      </p:stCondLst>
-                      <p:childTnLst>
-                        <p:par>
-                          <p:cTn id="20" fill="hold">
-                            <p:stCondLst>
-                              <p:cond delay="0"/>
-                            </p:stCondLst>
-                            <p:childTnLst>
-                              <p:par>
-                                <p:cTn id="21" presetID="10" presetClass="entr" presetSubtype="0" fill="hold" nodeType="clickEffect">
-                                  <p:stCondLst>
-                                    <p:cond delay="0"/>
-                                  </p:stCondLst>
-                                  <p:childTnLst>
-                                    <p:set>
-                                      <p:cBhvr>
-                                        <p:cTn id="22" dur="1" fill="hold">
-                                          <p:stCondLst>
-                                            <p:cond delay="0"/>
-                                          </p:stCondLst>
-                                        </p:cTn>
-                                        <p:tgtEl>
-                                          <p:spTgt spid="6">
-                                            <p:txEl>
-                                              <p:pRg st="2" end="2"/>
-                                            </p:txEl>
-                                          </p:spTgt>
-                                        </p:tgtEl>
-                                        <p:attrNameLst>
-                                          <p:attrName>style.visibility</p:attrName>
-                                        </p:attrNameLst>
-                                      </p:cBhvr>
-                                      <p:to>
-                                        <p:strVal val="visible"/>
-                                      </p:to>
-                                    </p:set>
-                                    <p:animEffect transition="in" filter="fade">
-                                      <p:cBhvr>
-                                        <p:cTn id="23" dur="500"/>
-                                        <p:tgtEl>
-                                          <p:spTgt spid="6">
-                                            <p:txEl>
-                                              <p:pRg st="2" end="2"/>
-                                            </p:txEl>
-                                          </p:spTgt>
-                                        </p:tgtEl>
-                                      </p:cBhvr>
-                                    </p:animEffect>
-                                  </p:childTnLst>
-                                </p:cTn>
-                              </p:par>
-                            </p:childTnLst>
-                          </p:cTn>
-                        </p:par>
-                      </p:childTnLst>
-                    </p:cTn>
-                  </p:par>
-                  <p:par>
-                    <p:cTn id="24" fill="hold">
-                      <p:stCondLst>
-                        <p:cond delay="indefinite"/>
-                      </p:stCondLst>
-                      <p:childTnLst>
-                        <p:par>
-                          <p:cTn id="25" fill="hold">
-                            <p:stCondLst>
-                              <p:cond delay="0"/>
-                            </p:stCondLst>
-                            <p:childTnLst>
-                              <p:par>
-                                <p:cTn id="26" presetID="10" presetClass="entr" presetSubtype="0" fill="hold" nodeType="clickEffect">
-                                  <p:stCondLst>
-                                    <p:cond delay="0"/>
-                                  </p:stCondLst>
-                                  <p:childTnLst>
-                                    <p:set>
-                                      <p:cBhvr>
-                                        <p:cTn id="27" dur="1" fill="hold">
-                                          <p:stCondLst>
-                                            <p:cond delay="0"/>
-                                          </p:stCondLst>
-                                        </p:cTn>
-                                        <p:tgtEl>
-                                          <p:spTgt spid="6">
-                                            <p:txEl>
-                                              <p:pRg st="3" end="3"/>
-                                            </p:txEl>
-                                          </p:spTgt>
-                                        </p:tgtEl>
-                                        <p:attrNameLst>
-                                          <p:attrName>style.visibility</p:attrName>
-                                        </p:attrNameLst>
-                                      </p:cBhvr>
-                                      <p:to>
-                                        <p:strVal val="visible"/>
-                                      </p:to>
-                                    </p:set>
-                                    <p:animEffect transition="in" filter="fade">
-                                      <p:cBhvr>
-                                        <p:cTn id="28" dur="500"/>
-                                        <p:tgtEl>
-                                          <p:spTgt spid="6">
-                                            <p:txEl>
-                                              <p:pRg st="3" end="3"/>
-                                            </p:txEl>
-                                          </p:spTgt>
-                                        </p:tgtEl>
-                                      </p:cBhvr>
-                                    </p:animEffect>
-                                  </p:childTnLst>
-                                </p:cTn>
-                              </p:par>
-                            </p:childTnLst>
-                          </p:cTn>
-                        </p:par>
-                      </p:childTnLst>
-                    </p:cTn>
-                  </p:par>
-                  <p:par>
-                    <p:cTn id="29" fill="hold">
-                      <p:stCondLst>
-                        <p:cond delay="indefinite"/>
-                      </p:stCondLst>
-                      <p:childTnLst>
-                        <p:par>
-                          <p:cTn id="30" fill="hold">
-                            <p:stCondLst>
-                              <p:cond delay="0"/>
-                            </p:stCondLst>
-                            <p:childTnLst>
-                              <p:par>
-                                <p:cTn id="31" presetID="10" presetClass="entr" presetSubtype="0" fill="hold" nodeType="clickEffect">
-                                  <p:stCondLst>
-                                    <p:cond delay="0"/>
-                                  </p:stCondLst>
-                                  <p:childTnLst>
-                                    <p:set>
-                                      <p:cBhvr>
-                                        <p:cTn id="32" dur="1" fill="hold">
-                                          <p:stCondLst>
-                                            <p:cond delay="0"/>
-                                          </p:stCondLst>
-                                        </p:cTn>
-                                        <p:tgtEl>
-                                          <p:spTgt spid="3"/>
-                                        </p:tgtEl>
-                                        <p:attrNameLst>
-                                          <p:attrName>style.visibility</p:attrName>
-                                        </p:attrNameLst>
-                                      </p:cBhvr>
-                                      <p:to>
-                                        <p:strVal val="visible"/>
-                                      </p:to>
-                                    </p:set>
-                                    <p:animEffect transition="in" filter="fade">
-                                      <p:cBhvr>
-                                        <p:cTn id="33" dur="500"/>
-                                        <p:tgtEl>
-                                          <p:spTgt spid="3"/>
-                                        </p:tgtEl>
-                                      </p:cBhvr>
-                                    </p:animEffect>
-                                  </p:childTnLst>
-                                </p:cTn>
-                              </p:par>
-                            </p:childTnLst>
-                          </p:cTn>
-                        </p:par>
-                      </p:childTnLst>
-                    </p:cTn>
-                  </p:par>
                 </p:childTnLst>
               </p:cTn>
               <p:prevCondLst>
@@ -9916,7 +9994,7 @@
         <p:cNvPr id="1" name="">
           <a:extLst>
             <a:ext uri="{FF2B5EF4-FFF2-40B4-BE49-F238E27FC236}">
-              <a16:creationId xmlns:a16="http://schemas.microsoft.com/office/drawing/2014/main" id="{3362248F-296C-CC0E-14EC-6316C53A3D4E}"/>
+              <a16:creationId xmlns:a16="http://schemas.microsoft.com/office/drawing/2014/main" id="{80258F13-D5CC-0957-24DF-5E455D805517}"/>
             </a:ext>
           </a:extLst>
         </p:cNvPr>
@@ -9936,7 +10014,7 @@
           <p:cNvPr id="4" name="Cím 1">
             <a:extLst>
               <a:ext uri="{FF2B5EF4-FFF2-40B4-BE49-F238E27FC236}">
-                <a16:creationId xmlns:a16="http://schemas.microsoft.com/office/drawing/2014/main" id="{798D6581-9898-BCC7-0A7D-9E16E5331F5E}"/>
+                <a16:creationId xmlns:a16="http://schemas.microsoft.com/office/drawing/2014/main" id="{3789D315-F782-D97B-E4CC-27AFC0C578EE}"/>
               </a:ext>
             </a:extLst>
           </p:cNvPr>
@@ -10043,7 +10121,7 @@
           <p:cNvPr id="5" name="Cím 1">
             <a:extLst>
               <a:ext uri="{FF2B5EF4-FFF2-40B4-BE49-F238E27FC236}">
-                <a16:creationId xmlns:a16="http://schemas.microsoft.com/office/drawing/2014/main" id="{C0D9EC2B-4B2F-F126-18A2-99A4AC792A4D}"/>
+                <a16:creationId xmlns:a16="http://schemas.microsoft.com/office/drawing/2014/main" id="{A1F5573B-349A-8417-EE11-7EBAA769E0CD}"/>
               </a:ext>
             </a:extLst>
           </p:cNvPr>
@@ -10149,10 +10227,10 @@
       </p:sp>
       <p:sp>
         <p:nvSpPr>
-          <p:cNvPr id="6" name="TextBox 5">
+          <p:cNvPr id="9" name="TextBox 8">
             <a:extLst>
               <a:ext uri="{FF2B5EF4-FFF2-40B4-BE49-F238E27FC236}">
-                <a16:creationId xmlns:a16="http://schemas.microsoft.com/office/drawing/2014/main" id="{5DB2F2B9-5E60-0A2C-16C4-AA33BAB48B48}"/>
+                <a16:creationId xmlns:a16="http://schemas.microsoft.com/office/drawing/2014/main" id="{109CBBDC-EFA3-66E6-90F5-591D577E9AB8}"/>
               </a:ext>
             </a:extLst>
           </p:cNvPr>
@@ -10161,8 +10239,8 @@
         </p:nvSpPr>
         <p:spPr>
           <a:xfrm>
-            <a:off x="281446" y="1176848"/>
-            <a:ext cx="11265095" cy="923330"/>
+            <a:off x="281445" y="257686"/>
+            <a:ext cx="12178409" cy="830997"/>
           </a:xfrm>
           <a:prstGeom prst="rect">
             <a:avLst/>
@@ -10175,178 +10253,33 @@
           </a:bodyPr>
           <a:lstStyle/>
           <a:p>
-            <a:pPr marL="285750" indent="-285750">
-              <a:buFont typeface="Arial" panose="020B0604020202020204" pitchFamily="34" charset="0"/>
-              <a:buChar char="•"/>
-            </a:pPr>
-            <a:r>
-              <a:rPr lang="en-US" dirty="0">
-                <a:latin typeface="Acumin Pro" panose="020B0504020202020204" pitchFamily="34" charset="0"/>
+            <a:r>
+              <a:rPr lang="hu-HU" sz="4800" b="1" dirty="0">
+                <a:latin typeface="Arial" panose="020B0604020202020204" pitchFamily="34" charset="0"/>
+                <a:cs typeface="Arial" panose="020B0604020202020204" pitchFamily="34" charset="0"/>
               </a:rPr>
-              <a:t>“</a:t>
-            </a:r>
-            <a:r>
-              <a:rPr lang="en-US" dirty="0" err="1">
-                <a:latin typeface="Acumin Pro" panose="020B0504020202020204" pitchFamily="34" charset="0"/>
+              <a:t>Csapatmunkában való hátrányai</a:t>
+            </a:r>
+            <a:r>
+              <a:rPr lang="en-US" sz="4800" b="1" dirty="0">
+                <a:latin typeface="Arial" panose="020B0604020202020204" pitchFamily="34" charset="0"/>
+                <a:cs typeface="Arial" panose="020B0604020202020204" pitchFamily="34" charset="0"/>
               </a:rPr>
-              <a:t>Mindenki</a:t>
-            </a:r>
-            <a:r>
-              <a:rPr lang="en-US" dirty="0">
-                <a:latin typeface="Acumin Pro" panose="020B0504020202020204" pitchFamily="34" charset="0"/>
-              </a:rPr>
-              <a:t> </a:t>
-            </a:r>
-            <a:r>
-              <a:rPr lang="en-US" dirty="0" err="1">
-                <a:latin typeface="Acumin Pro" panose="020B0504020202020204" pitchFamily="34" charset="0"/>
-              </a:rPr>
-              <a:t>fönők</a:t>
-            </a:r>
-            <a:r>
-              <a:rPr lang="en-US" dirty="0">
-                <a:latin typeface="Acumin Pro" panose="020B0504020202020204" pitchFamily="34" charset="0"/>
-              </a:rPr>
-              <a:t>” </a:t>
-            </a:r>
-            <a:r>
-              <a:rPr lang="en-US" dirty="0" err="1">
-                <a:latin typeface="Acumin Pro" panose="020B0504020202020204" pitchFamily="34" charset="0"/>
-              </a:rPr>
-              <a:t>elv</a:t>
-            </a:r>
-            <a:r>
-              <a:rPr lang="en-US" dirty="0">
-                <a:latin typeface="Acumin Pro" panose="020B0504020202020204" pitchFamily="34" charset="0"/>
-              </a:rPr>
-              <a:t> </a:t>
-            </a:r>
-            <a:r>
-              <a:rPr lang="en-US" dirty="0" err="1">
-                <a:latin typeface="Acumin Pro" panose="020B0504020202020204" pitchFamily="34" charset="0"/>
-              </a:rPr>
-              <a:t>az</a:t>
-            </a:r>
-            <a:r>
-              <a:rPr lang="en-US" dirty="0">
-                <a:latin typeface="Acumin Pro" panose="020B0504020202020204" pitchFamily="34" charset="0"/>
-              </a:rPr>
-              <a:t> </a:t>
-            </a:r>
-            <a:r>
-              <a:rPr lang="en-US" dirty="0" err="1">
-                <a:latin typeface="Acumin Pro" panose="020B0504020202020204" pitchFamily="34" charset="0"/>
-              </a:rPr>
-              <a:t>elején</a:t>
-            </a:r>
-            <a:endParaRPr lang="en-US" dirty="0">
-              <a:latin typeface="Acumin Pro" panose="020B0504020202020204" pitchFamily="34" charset="0"/>
+              <a:t>:</a:t>
+            </a:r>
+            <a:endParaRPr lang="hu-HU" sz="4800" b="1" dirty="0">
+              <a:latin typeface="Arial" panose="020B0604020202020204" pitchFamily="34" charset="0"/>
+              <a:cs typeface="Arial" panose="020B0604020202020204" pitchFamily="34" charset="0"/>
             </a:endParaRPr>
           </a:p>
-          <a:p>
-            <a:pPr marL="285750" indent="-285750">
-              <a:buFont typeface="Arial" panose="020B0604020202020204" pitchFamily="34" charset="0"/>
-              <a:buChar char="•"/>
-            </a:pPr>
-            <a:r>
-              <a:rPr lang="en-US" dirty="0" err="1">
-                <a:latin typeface="Acumin Pro" panose="020B0504020202020204" pitchFamily="34" charset="0"/>
-              </a:rPr>
-              <a:t>Dolgozók</a:t>
-            </a:r>
-            <a:r>
-              <a:rPr lang="en-US" dirty="0">
-                <a:latin typeface="Acumin Pro" panose="020B0504020202020204" pitchFamily="34" charset="0"/>
-              </a:rPr>
-              <a:t> </a:t>
-            </a:r>
-            <a:r>
-              <a:rPr lang="en-US" dirty="0" err="1">
-                <a:latin typeface="Acumin Pro" panose="020B0504020202020204" pitchFamily="34" charset="0"/>
-              </a:rPr>
-              <a:t>szabadon</a:t>
-            </a:r>
-            <a:r>
-              <a:rPr lang="en-US" dirty="0">
-                <a:latin typeface="Acumin Pro" panose="020B0504020202020204" pitchFamily="34" charset="0"/>
-              </a:rPr>
-              <a:t> </a:t>
-            </a:r>
-            <a:r>
-              <a:rPr lang="en-US" dirty="0" err="1">
-                <a:latin typeface="Acumin Pro" panose="020B0504020202020204" pitchFamily="34" charset="0"/>
-              </a:rPr>
-              <a:t>választhatták</a:t>
-            </a:r>
-            <a:r>
-              <a:rPr lang="en-US" dirty="0">
-                <a:latin typeface="Acumin Pro" panose="020B0504020202020204" pitchFamily="34" charset="0"/>
-              </a:rPr>
-              <a:t> meg a </a:t>
-            </a:r>
-            <a:r>
-              <a:rPr lang="en-US" dirty="0" err="1">
-                <a:latin typeface="Acumin Pro" panose="020B0504020202020204" pitchFamily="34" charset="0"/>
-              </a:rPr>
-              <a:t>projektet</a:t>
-            </a:r>
-            <a:endParaRPr lang="en-US" dirty="0">
-              <a:latin typeface="Acumin Pro" panose="020B0504020202020204" pitchFamily="34" charset="0"/>
-            </a:endParaRPr>
-          </a:p>
-          <a:p>
-            <a:pPr marL="285750" indent="-285750">
-              <a:buFont typeface="Arial" panose="020B0604020202020204" pitchFamily="34" charset="0"/>
-              <a:buChar char="•"/>
-            </a:pPr>
-            <a:r>
-              <a:rPr lang="en-US" dirty="0" err="1">
-                <a:latin typeface="Acumin Pro" panose="020B0504020202020204" pitchFamily="34" charset="0"/>
-              </a:rPr>
-              <a:t>Fizetést</a:t>
-            </a:r>
-            <a:r>
-              <a:rPr lang="en-US" dirty="0">
-                <a:latin typeface="Acumin Pro" panose="020B0504020202020204" pitchFamily="34" charset="0"/>
-              </a:rPr>
-              <a:t> a </a:t>
-            </a:r>
-            <a:r>
-              <a:rPr lang="en-US" dirty="0" err="1">
-                <a:latin typeface="Acumin Pro" panose="020B0504020202020204" pitchFamily="34" charset="0"/>
-              </a:rPr>
-              <a:t>vezérigazgató</a:t>
-            </a:r>
-            <a:r>
-              <a:rPr lang="en-US" dirty="0">
-                <a:latin typeface="Acumin Pro" panose="020B0504020202020204" pitchFamily="34" charset="0"/>
-              </a:rPr>
-              <a:t> </a:t>
-            </a:r>
-            <a:r>
-              <a:rPr lang="en-US" dirty="0" err="1">
-                <a:latin typeface="Acumin Pro" panose="020B0504020202020204" pitchFamily="34" charset="0"/>
-              </a:rPr>
-              <a:t>határozta</a:t>
-            </a:r>
-            <a:r>
-              <a:rPr lang="en-US" dirty="0">
-                <a:latin typeface="Acumin Pro" panose="020B0504020202020204" pitchFamily="34" charset="0"/>
-              </a:rPr>
-              <a:t> meg</a:t>
-            </a:r>
-            <a:endParaRPr lang="hu-HU" dirty="0">
-              <a:latin typeface="Acumin Pro" panose="020B0504020202020204" pitchFamily="34" charset="0"/>
-            </a:endParaRPr>
-          </a:p>
-        </p:txBody>
-      </p:sp>
-      <p:sp>
-        <p:nvSpPr>
-          <p:cNvPr id="9" name="TextBox 8">
+        </p:txBody>
+      </p:sp>
+      <p:sp>
+        <p:nvSpPr>
+          <p:cNvPr id="2" name="Szövegdoboz 1">
             <a:extLst>
               <a:ext uri="{FF2B5EF4-FFF2-40B4-BE49-F238E27FC236}">
-                <a16:creationId xmlns:a16="http://schemas.microsoft.com/office/drawing/2014/main" id="{F9EB373D-B6AD-BD11-75D6-3E2DF5338609}"/>
+                <a16:creationId xmlns:a16="http://schemas.microsoft.com/office/drawing/2014/main" id="{1459C29A-A850-446E-98E8-998D39FD2D2A}"/>
               </a:ext>
             </a:extLst>
           </p:cNvPr>
@@ -10355,8 +10288,8 @@
         </p:nvSpPr>
         <p:spPr>
           <a:xfrm>
-            <a:off x="281445" y="257686"/>
-            <a:ext cx="6395579" cy="830997"/>
+            <a:off x="410755" y="1309511"/>
+            <a:ext cx="9675354" cy="1754326"/>
           </a:xfrm>
           <a:prstGeom prst="rect">
             <a:avLst/>
@@ -10369,82 +10302,60 @@
           </a:bodyPr>
           <a:lstStyle/>
           <a:p>
-            <a:r>
-              <a:rPr lang="en-US" sz="4800" b="1" dirty="0" err="1">
-                <a:latin typeface="Arial" panose="020B0604020202020204" pitchFamily="34" charset="0"/>
-                <a:cs typeface="Arial" panose="020B0604020202020204" pitchFamily="34" charset="0"/>
-              </a:rPr>
-              <a:t>Szervezeti</a:t>
-            </a:r>
-            <a:r>
-              <a:rPr lang="en-US" sz="4800" b="1" dirty="0">
-                <a:latin typeface="Arial" panose="020B0604020202020204" pitchFamily="34" charset="0"/>
-                <a:cs typeface="Arial" panose="020B0604020202020204" pitchFamily="34" charset="0"/>
-              </a:rPr>
+            <a:pPr marL="285750" indent="-285750">
+              <a:buFont typeface="Arial" panose="020B0604020202020204" pitchFamily="34" charset="0"/>
+              <a:buChar char="•"/>
+            </a:pPr>
+            <a:r>
+              <a:rPr lang="hu-HU" sz="3600" dirty="0"/>
+              <a:t>Nincs </a:t>
+            </a:r>
+            <a:r>
+              <a:rPr lang="hu-HU" sz="3600" dirty="0" err="1"/>
+              <a:t>szürő</a:t>
+            </a:r>
+            <a:endParaRPr lang="hu-HU" sz="3600" dirty="0"/>
+          </a:p>
+          <a:p>
+            <a:pPr marL="285750" indent="-285750">
+              <a:buFont typeface="Arial" panose="020B0604020202020204" pitchFamily="34" charset="0"/>
+              <a:buChar char="•"/>
+            </a:pPr>
+            <a:r>
+              <a:rPr lang="hu-HU" sz="3600" dirty="0" err="1"/>
+              <a:t>Merge</a:t>
+            </a:r>
+            <a:r>
+              <a:rPr lang="hu-HU" sz="3600" dirty="0"/>
               <a:t> </a:t>
             </a:r>
             <a:r>
-              <a:rPr lang="en-US" sz="4800" b="1" dirty="0" err="1">
-                <a:latin typeface="Arial" panose="020B0604020202020204" pitchFamily="34" charset="0"/>
-                <a:cs typeface="Arial" panose="020B0604020202020204" pitchFamily="34" charset="0"/>
-              </a:rPr>
-              <a:t>Felépítés</a:t>
-            </a:r>
-            <a:r>
-              <a:rPr lang="en-US" sz="4800" b="1" dirty="0">
-                <a:latin typeface="Arial" panose="020B0604020202020204" pitchFamily="34" charset="0"/>
-                <a:cs typeface="Arial" panose="020B0604020202020204" pitchFamily="34" charset="0"/>
-              </a:rPr>
-              <a:t>:</a:t>
-            </a:r>
-            <a:endParaRPr lang="hu-HU" sz="4800" b="1" dirty="0">
-              <a:latin typeface="Arial" panose="020B0604020202020204" pitchFamily="34" charset="0"/>
-              <a:cs typeface="Arial" panose="020B0604020202020204" pitchFamily="34" charset="0"/>
-            </a:endParaRPr>
-          </a:p>
-        </p:txBody>
-      </p:sp>
-      <p:pic>
-        <p:nvPicPr>
-          <p:cNvPr id="3" name="Picture 2">
-            <a:extLst>
-              <a:ext uri="{FF2B5EF4-FFF2-40B4-BE49-F238E27FC236}">
-                <a16:creationId xmlns:a16="http://schemas.microsoft.com/office/drawing/2014/main" id="{371444C8-A5B4-B272-4D26-13278A309E99}"/>
-              </a:ext>
-            </a:extLst>
-          </p:cNvPr>
-          <p:cNvPicPr>
-            <a:picLocks noChangeAspect="1"/>
-          </p:cNvPicPr>
-          <p:nvPr/>
-        </p:nvPicPr>
-        <p:blipFill>
-          <a:blip r:embed="rId4">
-            <a:extLst>
-              <a:ext uri="{28A0092B-C50C-407E-A947-70E740481C1C}">
-                <a14:useLocalDpi xmlns:a14="http://schemas.microsoft.com/office/drawing/2010/main" val="0"/>
-              </a:ext>
-            </a:extLst>
-          </a:blip>
-          <a:stretch>
-            <a:fillRect/>
-          </a:stretch>
-        </p:blipFill>
-        <p:spPr>
-          <a:xfrm>
-            <a:off x="8375903" y="4658768"/>
-            <a:ext cx="3635141" cy="2044767"/>
-          </a:xfrm>
-          <a:prstGeom prst="rect">
-            <a:avLst/>
-          </a:prstGeom>
-          <a:noFill/>
-        </p:spPr>
-      </p:pic>
+              <a:rPr lang="hu-HU" sz="3600" dirty="0" err="1"/>
+              <a:t>confliktus</a:t>
+            </a:r>
+            <a:endParaRPr lang="hu-HU" sz="3600" dirty="0"/>
+          </a:p>
+          <a:p>
+            <a:pPr marL="285750" indent="-285750">
+              <a:buFont typeface="Arial" panose="020B0604020202020204" pitchFamily="34" charset="0"/>
+              <a:buChar char="•"/>
+            </a:pPr>
+            <a:r>
+              <a:rPr lang="hu-HU" sz="3600" dirty="0"/>
+              <a:t>Nincs integrált </a:t>
+            </a:r>
+            <a:r>
+              <a:rPr lang="hu-HU" sz="3600" dirty="0" err="1"/>
+              <a:t>koumunikácio</a:t>
+            </a:r>
+            <a:endParaRPr lang="hu-HU" sz="3600" dirty="0"/>
+          </a:p>
+        </p:txBody>
+      </p:sp>
     </p:spTree>
     <p:extLst>
       <p:ext uri="{BB962C8B-B14F-4D97-AF65-F5344CB8AC3E}">
-        <p14:creationId xmlns:p14="http://schemas.microsoft.com/office/powerpoint/2010/main" val="42787043"/>
+        <p14:creationId xmlns:p14="http://schemas.microsoft.com/office/powerpoint/2010/main" val="2641025451"/>
       </p:ext>
     </p:extLst>
   </p:cSld>
@@ -10562,242 +10473,6 @@
                       </p:childTnLst>
                     </p:cTn>
                   </p:par>
-                  <p:par>
-                    <p:cTn id="9" fill="hold">
-                      <p:stCondLst>
-                        <p:cond delay="indefinite"/>
-                      </p:stCondLst>
-                      <p:childTnLst>
-                        <p:par>
-                          <p:cTn id="10" fill="hold">
-                            <p:stCondLst>
-                              <p:cond delay="0"/>
-                            </p:stCondLst>
-                            <p:childTnLst>
-                              <p:par>
-                                <p:cTn id="11" presetID="10" presetClass="entr" presetSubtype="0" fill="hold" nodeType="clickEffect">
-                                  <p:stCondLst>
-                                    <p:cond delay="0"/>
-                                  </p:stCondLst>
-                                  <p:childTnLst>
-                                    <p:set>
-                                      <p:cBhvr>
-                                        <p:cTn id="12" dur="1" fill="hold">
-                                          <p:stCondLst>
-                                            <p:cond delay="0"/>
-                                          </p:stCondLst>
-                                        </p:cTn>
-                                        <p:tgtEl>
-                                          <p:spTgt spid="6">
-                                            <p:txEl>
-                                              <p:pRg st="0" end="0"/>
-                                            </p:txEl>
-                                          </p:spTgt>
-                                        </p:tgtEl>
-                                        <p:attrNameLst>
-                                          <p:attrName>style.visibility</p:attrName>
-                                        </p:attrNameLst>
-                                      </p:cBhvr>
-                                      <p:to>
-                                        <p:strVal val="visible"/>
-                                      </p:to>
-                                    </p:set>
-                                    <p:animEffect transition="in" filter="fade">
-                                      <p:cBhvr>
-                                        <p:cTn id="13" dur="500"/>
-                                        <p:tgtEl>
-                                          <p:spTgt spid="6">
-                                            <p:txEl>
-                                              <p:pRg st="0" end="0"/>
-                                            </p:txEl>
-                                          </p:spTgt>
-                                        </p:tgtEl>
-                                      </p:cBhvr>
-                                    </p:animEffect>
-                                  </p:childTnLst>
-                                </p:cTn>
-                              </p:par>
-                            </p:childTnLst>
-                          </p:cTn>
-                        </p:par>
-                      </p:childTnLst>
-                    </p:cTn>
-                  </p:par>
-                  <p:par>
-                    <p:cTn id="14" fill="hold">
-                      <p:stCondLst>
-                        <p:cond delay="indefinite"/>
-                      </p:stCondLst>
-                      <p:childTnLst>
-                        <p:par>
-                          <p:cTn id="15" fill="hold">
-                            <p:stCondLst>
-                              <p:cond delay="0"/>
-                            </p:stCondLst>
-                            <p:childTnLst>
-                              <p:par>
-                                <p:cTn id="16" presetID="10" presetClass="entr" presetSubtype="0" fill="hold" nodeType="clickEffect">
-                                  <p:stCondLst>
-                                    <p:cond delay="0"/>
-                                  </p:stCondLst>
-                                  <p:childTnLst>
-                                    <p:set>
-                                      <p:cBhvr>
-                                        <p:cTn id="17" dur="1" fill="hold">
-                                          <p:stCondLst>
-                                            <p:cond delay="0"/>
-                                          </p:stCondLst>
-                                        </p:cTn>
-                                        <p:tgtEl>
-                                          <p:spTgt spid="6">
-                                            <p:txEl>
-                                              <p:pRg st="1" end="1"/>
-                                            </p:txEl>
-                                          </p:spTgt>
-                                        </p:tgtEl>
-                                        <p:attrNameLst>
-                                          <p:attrName>style.visibility</p:attrName>
-                                        </p:attrNameLst>
-                                      </p:cBhvr>
-                                      <p:to>
-                                        <p:strVal val="visible"/>
-                                      </p:to>
-                                    </p:set>
-                                    <p:animEffect transition="in" filter="fade">
-                                      <p:cBhvr>
-                                        <p:cTn id="18" dur="500"/>
-                                        <p:tgtEl>
-                                          <p:spTgt spid="6">
-                                            <p:txEl>
-                                              <p:pRg st="1" end="1"/>
-                                            </p:txEl>
-                                          </p:spTgt>
-                                        </p:tgtEl>
-                                      </p:cBhvr>
-                                    </p:animEffect>
-                                  </p:childTnLst>
-                                </p:cTn>
-                              </p:par>
-                            </p:childTnLst>
-                          </p:cTn>
-                        </p:par>
-                      </p:childTnLst>
-                    </p:cTn>
-                  </p:par>
-                  <p:par>
-                    <p:cTn id="19" fill="hold">
-                      <p:stCondLst>
-                        <p:cond delay="indefinite"/>
-                      </p:stCondLst>
-                      <p:childTnLst>
-                        <p:par>
-                          <p:cTn id="20" fill="hold">
-                            <p:stCondLst>
-                              <p:cond delay="0"/>
-                            </p:stCondLst>
-                            <p:childTnLst>
-                              <p:par>
-                                <p:cTn id="21" presetID="10" presetClass="entr" presetSubtype="0" fill="hold" nodeType="clickEffect">
-                                  <p:stCondLst>
-                                    <p:cond delay="0"/>
-                                  </p:stCondLst>
-                                  <p:childTnLst>
-                                    <p:set>
-                                      <p:cBhvr>
-                                        <p:cTn id="22" dur="1" fill="hold">
-                                          <p:stCondLst>
-                                            <p:cond delay="0"/>
-                                          </p:stCondLst>
-                                        </p:cTn>
-                                        <p:tgtEl>
-                                          <p:spTgt spid="6">
-                                            <p:txEl>
-                                              <p:pRg st="2" end="2"/>
-                                            </p:txEl>
-                                          </p:spTgt>
-                                        </p:tgtEl>
-                                        <p:attrNameLst>
-                                          <p:attrName>style.visibility</p:attrName>
-                                        </p:attrNameLst>
-                                      </p:cBhvr>
-                                      <p:to>
-                                        <p:strVal val="visible"/>
-                                      </p:to>
-                                    </p:set>
-                                    <p:animEffect transition="in" filter="fade">
-                                      <p:cBhvr>
-                                        <p:cTn id="23" dur="500"/>
-                                        <p:tgtEl>
-                                          <p:spTgt spid="6">
-                                            <p:txEl>
-                                              <p:pRg st="2" end="2"/>
-                                            </p:txEl>
-                                          </p:spTgt>
-                                        </p:tgtEl>
-                                      </p:cBhvr>
-                                    </p:animEffect>
-                                  </p:childTnLst>
-                                </p:cTn>
-                              </p:par>
-                            </p:childTnLst>
-                          </p:cTn>
-                        </p:par>
-                      </p:childTnLst>
-                    </p:cTn>
-                  </p:par>
-                  <p:par>
-                    <p:cTn id="24" fill="hold">
-                      <p:stCondLst>
-                        <p:cond delay="indefinite"/>
-                      </p:stCondLst>
-                      <p:childTnLst>
-                        <p:par>
-                          <p:cTn id="25" fill="hold">
-                            <p:stCondLst>
-                              <p:cond delay="0"/>
-                            </p:stCondLst>
-                            <p:childTnLst>
-                              <p:par>
-                                <p:cTn id="26" presetID="10" presetClass="entr" presetSubtype="0" fill="hold" nodeType="clickEffect">
-                                  <p:stCondLst>
-                                    <p:cond delay="0"/>
-                                  </p:stCondLst>
-                                  <p:childTnLst>
-                                    <p:set>
-                                      <p:cBhvr>
-                                        <p:cTn id="27" dur="1" fill="hold">
-                                          <p:stCondLst>
-                                            <p:cond delay="0"/>
-                                          </p:stCondLst>
-                                        </p:cTn>
-                                        <p:tgtEl>
-                                          <p:spTgt spid="3"/>
-                                        </p:tgtEl>
-                                        <p:attrNameLst>
-                                          <p:attrName>style.visibility</p:attrName>
-                                        </p:attrNameLst>
-                                      </p:cBhvr>
-                                      <p:to>
-                                        <p:strVal val="visible"/>
-                                      </p:to>
-                                    </p:set>
-                                    <p:animEffect transition="in" filter="fade">
-                                      <p:cBhvr>
-                                        <p:cTn id="28" dur="500"/>
-                                        <p:tgtEl>
-                                          <p:spTgt spid="3"/>
-                                        </p:tgtEl>
-                                      </p:cBhvr>
-                                    </p:animEffect>
-                                  </p:childTnLst>
-                                </p:cTn>
-                              </p:par>
-                            </p:childTnLst>
-                          </p:cTn>
-                        </p:par>
-                      </p:childTnLst>
-                    </p:cTn>
-                  </p:par>
                 </p:childTnLst>
               </p:cTn>
               <p:prevCondLst>
@@ -10820,11 +10495,6 @@
       </p:par>
     </p:tnLst>
   </p:timing>
-  <p:extLst>
-    <p:ext uri="{6950BFC3-D8DA-4A85-94F7-54DA5524770B}">
-      <p188:commentRel xmlns:p188="http://schemas.microsoft.com/office/powerpoint/2018/8/main" r:id="rId3"/>
-    </p:ext>
-  </p:extLst>
 </p:sld>
 </file>
 
@@ -12960,8 +12630,8 @@
         </p:nvSpPr>
         <p:spPr>
           <a:xfrm>
-            <a:off x="1796661" y="2830263"/>
-            <a:ext cx="2443645" cy="1615827"/>
+            <a:off x="69461" y="2682422"/>
+            <a:ext cx="11263557" cy="3416320"/>
           </a:xfrm>
           <a:prstGeom prst="rect">
             <a:avLst/>
@@ -12979,7 +12649,7 @@
               <a:buChar char="•"/>
             </a:pPr>
             <a:r>
-              <a:rPr lang="en-US" sz="1100" dirty="0">
+              <a:rPr lang="en-US" sz="2400" dirty="0">
                 <a:latin typeface="Acumin Pro" panose="020B0504020202020204" pitchFamily="34" charset="0"/>
               </a:rPr>
               <a:t>Kuik-Filep Roland </a:t>
@@ -12991,12 +12661,12 @@
               <a:buChar char="•"/>
             </a:pPr>
             <a:r>
-              <a:rPr lang="en-US" sz="1100" dirty="0" err="1">
+              <a:rPr lang="en-US" sz="2400" dirty="0" err="1">
                 <a:latin typeface="Acumin Pro" panose="020B0504020202020204" pitchFamily="34" charset="0"/>
               </a:rPr>
               <a:t>Csapatkapitány</a:t>
             </a:r>
-            <a:endParaRPr lang="en-US" sz="1100" dirty="0">
+            <a:endParaRPr lang="en-US" sz="2400" dirty="0">
               <a:latin typeface="Acumin Pro" panose="020B0504020202020204" pitchFamily="34" charset="0"/>
             </a:endParaRPr>
           </a:p>
@@ -13006,24 +12676,24 @@
               <a:buChar char="•"/>
             </a:pPr>
             <a:r>
-              <a:rPr lang="en-US" sz="1100" dirty="0" err="1">
+              <a:rPr lang="en-US" sz="2400" dirty="0" err="1">
                 <a:latin typeface="Acumin Pro" panose="020B0504020202020204" pitchFamily="34" charset="0"/>
               </a:rPr>
               <a:t>Információ</a:t>
             </a:r>
             <a:r>
-              <a:rPr lang="en-US" sz="1100" dirty="0">
+              <a:rPr lang="en-US" sz="2400" dirty="0">
                 <a:latin typeface="Acumin Pro" panose="020B0504020202020204" pitchFamily="34" charset="0"/>
               </a:rPr>
               <a:t> </a:t>
             </a:r>
             <a:r>
-              <a:rPr lang="en-US" sz="1100" dirty="0" err="1">
+              <a:rPr lang="en-US" sz="2400" dirty="0" err="1">
                 <a:latin typeface="Acumin Pro" panose="020B0504020202020204" pitchFamily="34" charset="0"/>
               </a:rPr>
               <a:t>Gyűjtés</a:t>
             </a:r>
-            <a:endParaRPr lang="en-US" sz="1100" dirty="0">
+            <a:endParaRPr lang="en-US" sz="2400" dirty="0">
               <a:latin typeface="Acumin Pro" panose="020B0504020202020204" pitchFamily="34" charset="0"/>
             </a:endParaRPr>
           </a:p>
@@ -13033,7 +12703,7 @@
               <a:buChar char="•"/>
             </a:pPr>
             <a:r>
-              <a:rPr lang="en-US" sz="1100" dirty="0">
+              <a:rPr lang="en-US" sz="2400" dirty="0">
                 <a:latin typeface="Acumin Pro" panose="020B0504020202020204" pitchFamily="34" charset="0"/>
               </a:rPr>
               <a:t>Győri Roland Attila</a:t>
@@ -13045,18 +12715,18 @@
               <a:buChar char="•"/>
             </a:pPr>
             <a:r>
-              <a:rPr lang="en-US" sz="1100" dirty="0">
+              <a:rPr lang="en-US" sz="2400" dirty="0">
                 <a:latin typeface="Acumin Pro" panose="020B0504020202020204" pitchFamily="34" charset="0"/>
               </a:rPr>
               <a:t>PPT </a:t>
             </a:r>
             <a:r>
-              <a:rPr lang="en-US" sz="1100" dirty="0" err="1">
+              <a:rPr lang="en-US" sz="2400" dirty="0" err="1">
                 <a:latin typeface="Acumin Pro" panose="020B0504020202020204" pitchFamily="34" charset="0"/>
               </a:rPr>
               <a:t>Elkészítése</a:t>
             </a:r>
-            <a:endParaRPr lang="en-US" sz="1100" dirty="0">
+            <a:endParaRPr lang="en-US" sz="2400" dirty="0">
               <a:latin typeface="Acumin Pro" panose="020B0504020202020204" pitchFamily="34" charset="0"/>
             </a:endParaRPr>
           </a:p>
@@ -13066,7 +12736,7 @@
               <a:buChar char="•"/>
             </a:pPr>
             <a:r>
-              <a:rPr lang="en-US" sz="1100" dirty="0">
+              <a:rPr lang="en-US" sz="2400" dirty="0">
                 <a:latin typeface="Acumin Pro" panose="020B0504020202020204" pitchFamily="34" charset="0"/>
               </a:rPr>
               <a:t>Béres Sándor Márk</a:t>
@@ -13078,24 +12748,24 @@
               <a:buChar char="•"/>
             </a:pPr>
             <a:r>
-              <a:rPr lang="en-US" sz="1100" dirty="0" err="1">
+              <a:rPr lang="en-US" sz="2400" dirty="0" err="1">
                 <a:latin typeface="Acumin Pro" panose="020B0504020202020204" pitchFamily="34" charset="0"/>
               </a:rPr>
               <a:t>Képek</a:t>
             </a:r>
             <a:r>
-              <a:rPr lang="en-US" sz="1100" dirty="0">
+              <a:rPr lang="en-US" sz="2400" dirty="0">
                 <a:latin typeface="Acumin Pro" panose="020B0504020202020204" pitchFamily="34" charset="0"/>
               </a:rPr>
               <a:t> </a:t>
             </a:r>
             <a:r>
-              <a:rPr lang="en-US" sz="1100" dirty="0" err="1">
+              <a:rPr lang="en-US" sz="2400" dirty="0" err="1">
                 <a:latin typeface="Acumin Pro" panose="020B0504020202020204" pitchFamily="34" charset="0"/>
               </a:rPr>
               <a:t>Keresése</a:t>
             </a:r>
-            <a:endParaRPr lang="en-US" sz="1100" dirty="0">
+            <a:endParaRPr lang="en-US" sz="2400" dirty="0">
               <a:latin typeface="Acumin Pro" panose="020B0504020202020204" pitchFamily="34" charset="0"/>
             </a:endParaRPr>
           </a:p>
@@ -13105,7 +12775,7 @@
               <a:buChar char="•"/>
             </a:pPr>
             <a:r>
-              <a:rPr lang="en-US" sz="1100" dirty="0">
+              <a:rPr lang="en-US" sz="2400" dirty="0">
                 <a:latin typeface="Acumin Pro" panose="020B0504020202020204" pitchFamily="34" charset="0"/>
               </a:rPr>
               <a:t>Troubleshooting</a:t>
@@ -13117,18 +12787,18 @@
               <a:buChar char="•"/>
             </a:pPr>
             <a:r>
-              <a:rPr lang="en-US" sz="1100" dirty="0">
+              <a:rPr lang="en-US" sz="2400" dirty="0">
                 <a:latin typeface="Acumin Pro" panose="020B0504020202020204" pitchFamily="34" charset="0"/>
               </a:rPr>
               <a:t>PPT </a:t>
             </a:r>
             <a:r>
-              <a:rPr lang="en-US" sz="1100" dirty="0" err="1">
+              <a:rPr lang="en-US" sz="2400" dirty="0" err="1">
                 <a:latin typeface="Acumin Pro" panose="020B0504020202020204" pitchFamily="34" charset="0"/>
               </a:rPr>
               <a:t>Bemutatása</a:t>
             </a:r>
-            <a:endParaRPr lang="hu-HU" sz="1100" dirty="0">
+            <a:endParaRPr lang="hu-HU" sz="2400" dirty="0">
               <a:latin typeface="Acumin Pro" panose="020B0504020202020204" pitchFamily="34" charset="0"/>
             </a:endParaRPr>
           </a:p>
@@ -13896,4 +13566,299 @@
     </a:ext>
   </a:extLst>
 </a:theme>
+</file>
+
+<file path=ppt/theme/theme3.xml><?xml version="1.0" encoding="utf-8"?>
+<a:theme xmlns:a="http://schemas.openxmlformats.org/drawingml/2006/main" name="Office-téma">
+  <a:themeElements>
+    <a:clrScheme name="Office">
+      <a:dk1>
+        <a:sysClr val="windowText" lastClr="000000"/>
+      </a:dk1>
+      <a:lt1>
+        <a:sysClr val="window" lastClr="FFFFFF"/>
+      </a:lt1>
+      <a:dk2>
+        <a:srgbClr val="44546A"/>
+      </a:dk2>
+      <a:lt2>
+        <a:srgbClr val="E7E6E6"/>
+      </a:lt2>
+      <a:accent1>
+        <a:srgbClr val="4472C4"/>
+      </a:accent1>
+      <a:accent2>
+        <a:srgbClr val="ED7D31"/>
+      </a:accent2>
+      <a:accent3>
+        <a:srgbClr val="A5A5A5"/>
+      </a:accent3>
+      <a:accent4>
+        <a:srgbClr val="FFC000"/>
+      </a:accent4>
+      <a:accent5>
+        <a:srgbClr val="5B9BD5"/>
+      </a:accent5>
+      <a:accent6>
+        <a:srgbClr val="70AD47"/>
+      </a:accent6>
+      <a:hlink>
+        <a:srgbClr val="0563C1"/>
+      </a:hlink>
+      <a:folHlink>
+        <a:srgbClr val="954F72"/>
+      </a:folHlink>
+    </a:clrScheme>
+    <a:fontScheme name="Office">
+      <a:majorFont>
+        <a:latin typeface="Calibri Light" panose="020F0302020204030204"/>
+        <a:ea typeface=""/>
+        <a:cs typeface=""/>
+        <a:font script="Jpan" typeface="游ゴシック Light"/>
+        <a:font script="Hang" typeface="맑은 고딕"/>
+        <a:font script="Hans" typeface="等线 Light"/>
+        <a:font script="Hant" typeface="新細明體"/>
+        <a:font script="Arab" typeface="Times New Roman"/>
+        <a:font script="Hebr" typeface="Times New Roman"/>
+        <a:font script="Thai" typeface="Angsana New"/>
+        <a:font script="Ethi" typeface="Nyala"/>
+        <a:font script="Beng" typeface="Vrinda"/>
+        <a:font script="Gujr" typeface="Shruti"/>
+        <a:font script="Khmr" typeface="MoolBoran"/>
+        <a:font script="Knda" typeface="Tunga"/>
+        <a:font script="Guru" typeface="Raavi"/>
+        <a:font script="Cans" typeface="Euphemia"/>
+        <a:font script="Cher" typeface="Plantagenet Cherokee"/>
+        <a:font script="Yiii" typeface="Microsoft Yi Baiti"/>
+        <a:font script="Tibt" typeface="Microsoft Himalaya"/>
+        <a:font script="Thaa" typeface="MV Boli"/>
+        <a:font script="Deva" typeface="Mangal"/>
+        <a:font script="Telu" typeface="Gautami"/>
+        <a:font script="Taml" typeface="Latha"/>
+        <a:font script="Syrc" typeface="Estrangelo Edessa"/>
+        <a:font script="Orya" typeface="Kalinga"/>
+        <a:font script="Mlym" typeface="Kartika"/>
+        <a:font script="Laoo" typeface="DokChampa"/>
+        <a:font script="Sinh" typeface="Iskoola Pota"/>
+        <a:font script="Mong" typeface="Mongolian Baiti"/>
+        <a:font script="Viet" typeface="Times New Roman"/>
+        <a:font script="Uigh" typeface="Microsoft Uighur"/>
+        <a:font script="Geor" typeface="Sylfaen"/>
+        <a:font script="Armn" typeface="Arial"/>
+        <a:font script="Bugi" typeface="Leelawadee UI"/>
+        <a:font script="Bopo" typeface="Microsoft JhengHei"/>
+        <a:font script="Java" typeface="Javanese Text"/>
+        <a:font script="Lisu" typeface="Segoe UI"/>
+        <a:font script="Mymr" typeface="Myanmar Text"/>
+        <a:font script="Nkoo" typeface="Ebrima"/>
+        <a:font script="Olck" typeface="Nirmala UI"/>
+        <a:font script="Osma" typeface="Ebrima"/>
+        <a:font script="Phag" typeface="Phagspa"/>
+        <a:font script="Syrn" typeface="Estrangelo Edessa"/>
+        <a:font script="Syrj" typeface="Estrangelo Edessa"/>
+        <a:font script="Syre" typeface="Estrangelo Edessa"/>
+        <a:font script="Sora" typeface="Nirmala UI"/>
+        <a:font script="Tale" typeface="Microsoft Tai Le"/>
+        <a:font script="Talu" typeface="Microsoft New Tai Lue"/>
+        <a:font script="Tfng" typeface="Ebrima"/>
+      </a:majorFont>
+      <a:minorFont>
+        <a:latin typeface="Calibri" panose="020F0502020204030204"/>
+        <a:ea typeface=""/>
+        <a:cs typeface=""/>
+        <a:font script="Jpan" typeface="游ゴシック"/>
+        <a:font script="Hang" typeface="맑은 고딕"/>
+        <a:font script="Hans" typeface="等线"/>
+        <a:font script="Hant" typeface="新細明體"/>
+        <a:font script="Arab" typeface="Arial"/>
+        <a:font script="Hebr" typeface="Arial"/>
+        <a:font script="Thai" typeface="Cordia New"/>
+        <a:font script="Ethi" typeface="Nyala"/>
+        <a:font script="Beng" typeface="Vrinda"/>
+        <a:font script="Gujr" typeface="Shruti"/>
+        <a:font script="Khmr" typeface="DaunPenh"/>
+        <a:font script="Knda" typeface="Tunga"/>
+        <a:font script="Guru" typeface="Raavi"/>
+        <a:font script="Cans" typeface="Euphemia"/>
+        <a:font script="Cher" typeface="Plantagenet Cherokee"/>
+        <a:font script="Yiii" typeface="Microsoft Yi Baiti"/>
+        <a:font script="Tibt" typeface="Microsoft Himalaya"/>
+        <a:font script="Thaa" typeface="MV Boli"/>
+        <a:font script="Deva" typeface="Mangal"/>
+        <a:font script="Telu" typeface="Gautami"/>
+        <a:font script="Taml" typeface="Latha"/>
+        <a:font script="Syrc" typeface="Estrangelo Edessa"/>
+        <a:font script="Orya" typeface="Kalinga"/>
+        <a:font script="Mlym" typeface="Kartika"/>
+        <a:font script="Laoo" typeface="DokChampa"/>
+        <a:font script="Sinh" typeface="Iskoola Pota"/>
+        <a:font script="Mong" typeface="Mongolian Baiti"/>
+        <a:font script="Viet" typeface="Arial"/>
+        <a:font script="Uigh" typeface="Microsoft Uighur"/>
+        <a:font script="Geor" typeface="Sylfaen"/>
+        <a:font script="Armn" typeface="Arial"/>
+        <a:font script="Bugi" typeface="Leelawadee UI"/>
+        <a:font script="Bopo" typeface="Microsoft JhengHei"/>
+        <a:font script="Java" typeface="Javanese Text"/>
+        <a:font script="Lisu" typeface="Segoe UI"/>
+        <a:font script="Mymr" typeface="Myanmar Text"/>
+        <a:font script="Nkoo" typeface="Ebrima"/>
+        <a:font script="Olck" typeface="Nirmala UI"/>
+        <a:font script="Osma" typeface="Ebrima"/>
+        <a:font script="Phag" typeface="Phagspa"/>
+        <a:font script="Syrn" typeface="Estrangelo Edessa"/>
+        <a:font script="Syrj" typeface="Estrangelo Edessa"/>
+        <a:font script="Syre" typeface="Estrangelo Edessa"/>
+        <a:font script="Sora" typeface="Nirmala UI"/>
+        <a:font script="Tale" typeface="Microsoft Tai Le"/>
+        <a:font script="Talu" typeface="Microsoft New Tai Lue"/>
+        <a:font script="Tfng" typeface="Ebrima"/>
+      </a:minorFont>
+    </a:fontScheme>
+    <a:fmtScheme name="Office">
+      <a:fillStyleLst>
+        <a:solidFill>
+          <a:schemeClr val="phClr"/>
+        </a:solidFill>
+        <a:gradFill rotWithShape="1">
+          <a:gsLst>
+            <a:gs pos="0">
+              <a:schemeClr val="phClr">
+                <a:lumMod val="110000"/>
+                <a:satMod val="105000"/>
+                <a:tint val="67000"/>
+              </a:schemeClr>
+            </a:gs>
+            <a:gs pos="50000">
+              <a:schemeClr val="phClr">
+                <a:lumMod val="105000"/>
+                <a:satMod val="103000"/>
+                <a:tint val="73000"/>
+              </a:schemeClr>
+            </a:gs>
+            <a:gs pos="100000">
+              <a:schemeClr val="phClr">
+                <a:lumMod val="105000"/>
+                <a:satMod val="109000"/>
+                <a:tint val="81000"/>
+              </a:schemeClr>
+            </a:gs>
+          </a:gsLst>
+          <a:lin ang="5400000" scaled="0"/>
+        </a:gradFill>
+        <a:gradFill rotWithShape="1">
+          <a:gsLst>
+            <a:gs pos="0">
+              <a:schemeClr val="phClr">
+                <a:satMod val="103000"/>
+                <a:lumMod val="102000"/>
+                <a:tint val="94000"/>
+              </a:schemeClr>
+            </a:gs>
+            <a:gs pos="50000">
+              <a:schemeClr val="phClr">
+                <a:satMod val="110000"/>
+                <a:lumMod val="100000"/>
+                <a:shade val="100000"/>
+              </a:schemeClr>
+            </a:gs>
+            <a:gs pos="100000">
+              <a:schemeClr val="phClr">
+                <a:lumMod val="99000"/>
+                <a:satMod val="120000"/>
+                <a:shade val="78000"/>
+              </a:schemeClr>
+            </a:gs>
+          </a:gsLst>
+          <a:lin ang="5400000" scaled="0"/>
+        </a:gradFill>
+      </a:fillStyleLst>
+      <a:lnStyleLst>
+        <a:ln w="6350" cap="flat" cmpd="sng" algn="ctr">
+          <a:solidFill>
+            <a:schemeClr val="phClr"/>
+          </a:solidFill>
+          <a:prstDash val="solid"/>
+          <a:miter lim="800000"/>
+        </a:ln>
+        <a:ln w="12700" cap="flat" cmpd="sng" algn="ctr">
+          <a:solidFill>
+            <a:schemeClr val="phClr"/>
+          </a:solidFill>
+          <a:prstDash val="solid"/>
+          <a:miter lim="800000"/>
+        </a:ln>
+        <a:ln w="19050" cap="flat" cmpd="sng" algn="ctr">
+          <a:solidFill>
+            <a:schemeClr val="phClr"/>
+          </a:solidFill>
+          <a:prstDash val="solid"/>
+          <a:miter lim="800000"/>
+        </a:ln>
+      </a:lnStyleLst>
+      <a:effectStyleLst>
+        <a:effectStyle>
+          <a:effectLst/>
+        </a:effectStyle>
+        <a:effectStyle>
+          <a:effectLst/>
+        </a:effectStyle>
+        <a:effectStyle>
+          <a:effectLst>
+            <a:outerShdw blurRad="57150" dist="19050" dir="5400000" algn="ctr" rotWithShape="0">
+              <a:srgbClr val="000000">
+                <a:alpha val="63000"/>
+              </a:srgbClr>
+            </a:outerShdw>
+          </a:effectLst>
+        </a:effectStyle>
+      </a:effectStyleLst>
+      <a:bgFillStyleLst>
+        <a:solidFill>
+          <a:schemeClr val="phClr"/>
+        </a:solidFill>
+        <a:solidFill>
+          <a:schemeClr val="phClr">
+            <a:tint val="95000"/>
+            <a:satMod val="170000"/>
+          </a:schemeClr>
+        </a:solidFill>
+        <a:gradFill rotWithShape="1">
+          <a:gsLst>
+            <a:gs pos="0">
+              <a:schemeClr val="phClr">
+                <a:tint val="93000"/>
+                <a:satMod val="150000"/>
+                <a:shade val="98000"/>
+                <a:lumMod val="102000"/>
+              </a:schemeClr>
+            </a:gs>
+            <a:gs pos="50000">
+              <a:schemeClr val="phClr">
+                <a:tint val="98000"/>
+                <a:satMod val="130000"/>
+                <a:shade val="90000"/>
+                <a:lumMod val="103000"/>
+              </a:schemeClr>
+            </a:gs>
+            <a:gs pos="100000">
+              <a:schemeClr val="phClr">
+                <a:shade val="63000"/>
+                <a:satMod val="120000"/>
+              </a:schemeClr>
+            </a:gs>
+          </a:gsLst>
+          <a:lin ang="5400000" scaled="0"/>
+        </a:gradFill>
+      </a:bgFillStyleLst>
+    </a:fmtScheme>
+  </a:themeElements>
+  <a:objectDefaults/>
+  <a:extraClrSchemeLst/>
+  <a:extLst>
+    <a:ext uri="{05A4C25C-085E-4340-85A3-A5531E510DB2}">
+      <thm15:themeFamily xmlns:thm15="http://schemas.microsoft.com/office/thememl/2012/main" name="Office Theme" id="{62F939B6-93AF-4DB8-9C6B-D6C7DFDC589F}" vid="{4A3C46E8-61CC-4603-A589-7422A47A8E4A}"/>
+    </a:ext>
+  </a:extLst>
+</a:theme>
 </file>